--- a/Split_fed/12_5.pptx
+++ b/Split_fed/12_5.pptx
@@ -5,17 +5,17 @@
     <p:sldMasterId id="2147483648" r:id="rId1"/>
   </p:sldMasterIdLst>
   <p:notesMasterIdLst>
-    <p:notesMasterId r:id="rId10"/>
+    <p:notesMasterId r:id="rId4"/>
   </p:notesMasterIdLst>
   <p:sldIdLst>
-    <p:sldId id="267" r:id="rId2"/>
-    <p:sldId id="266" r:id="rId3"/>
-    <p:sldId id="400" r:id="rId4"/>
-    <p:sldId id="402" r:id="rId5"/>
-    <p:sldId id="403" r:id="rId6"/>
-    <p:sldId id="401" r:id="rId7"/>
-    <p:sldId id="404" r:id="rId8"/>
-    <p:sldId id="275" r:id="rId9"/>
+    <p:sldId id="267" r:id="rId3"/>
+    <p:sldId id="266" r:id="rId5"/>
+    <p:sldId id="402" r:id="rId6"/>
+    <p:sldId id="400" r:id="rId7"/>
+    <p:sldId id="403" r:id="rId8"/>
+    <p:sldId id="401" r:id="rId9"/>
+    <p:sldId id="404" r:id="rId10"/>
+    <p:sldId id="275" r:id="rId11"/>
   </p:sldIdLst>
   <p:sldSz cx="12192000" cy="6858000"/>
   <p:notesSz cx="6858000" cy="9144000"/>
@@ -114,11 +114,6 @@
       </a:defRPr>
     </a:lvl9pPr>
   </p:defaultTextStyle>
-  <p:extLst>
-    <p:ext uri="{EFAFB233-063F-42B5-8137-9DF3F51BA10A}">
-      <p15:sldGuideLst xmlns:p15="http://schemas.microsoft.com/office/powerpoint/2012/main"/>
-    </p:ext>
-  </p:extLst>
 </p:presentation>
 </file>
 
@@ -204,7 +199,6 @@
           <a:p>
             <a:fld id="{D2A48B96-639E-45A3-A0BA-2464DFDB1FAA}" type="datetimeFigureOut">
               <a:rPr lang="zh-CN" altLang="en-US" smtClean="0"/>
-              <a:t>2023/12/4</a:t>
             </a:fld>
             <a:endParaRPr lang="zh-CN" altLang="en-US"/>
           </a:p>
@@ -271,6 +265,7 @@
               <a:rPr lang="zh-CN" altLang="en-US"/>
               <a:t>单击此处编辑母版文本样式</a:t>
             </a:r>
+            <a:endParaRPr lang="zh-CN" altLang="en-US"/>
           </a:p>
           <a:p>
             <a:pPr lvl="1"/>
@@ -278,6 +273,7 @@
               <a:rPr lang="zh-CN" altLang="en-US"/>
               <a:t>第二级</a:t>
             </a:r>
+            <a:endParaRPr lang="zh-CN" altLang="en-US"/>
           </a:p>
           <a:p>
             <a:pPr lvl="2"/>
@@ -285,6 +281,7 @@
               <a:rPr lang="zh-CN" altLang="en-US"/>
               <a:t>第三级</a:t>
             </a:r>
+            <a:endParaRPr lang="zh-CN" altLang="en-US"/>
           </a:p>
           <a:p>
             <a:pPr lvl="3"/>
@@ -292,6 +289,7 @@
               <a:rPr lang="zh-CN" altLang="en-US"/>
               <a:t>第四级</a:t>
             </a:r>
+            <a:endParaRPr lang="zh-CN" altLang="en-US"/>
           </a:p>
           <a:p>
             <a:pPr lvl="4"/>
@@ -299,6 +297,7 @@
               <a:rPr lang="zh-CN" altLang="en-US"/>
               <a:t>第五级</a:t>
             </a:r>
+            <a:endParaRPr lang="zh-CN" altLang="en-US"/>
           </a:p>
         </p:txBody>
       </p:sp>
@@ -362,7 +361,6 @@
           <a:p>
             <a:fld id="{A6837353-30EB-4A48-80EB-173D804AEFBD}" type="slidenum">
               <a:rPr lang="zh-CN" altLang="en-US" smtClean="0"/>
-              <a:t>‹#›</a:t>
             </a:fld>
             <a:endParaRPr lang="zh-CN" altLang="en-US"/>
           </a:p>
@@ -567,6 +565,7 @@
               <a:rPr lang="zh-CN" altLang="en-US"/>
               <a:t>单击此处编辑母版标题样式</a:t>
             </a:r>
+            <a:endParaRPr lang="zh-CN" altLang="en-US"/>
           </a:p>
         </p:txBody>
       </p:sp>
@@ -631,6 +630,7 @@
               <a:rPr lang="zh-CN" altLang="en-US"/>
               <a:t>单击此处编辑母版副标题样式</a:t>
             </a:r>
+            <a:endParaRPr lang="zh-CN" altLang="en-US"/>
           </a:p>
         </p:txBody>
       </p:sp>
@@ -651,7 +651,6 @@
           <a:p>
             <a:fld id="{AF3DFB88-C66D-4D4F-992A-21D8B5C2FC83}" type="datetimeFigureOut">
               <a:rPr lang="zh-CN" altLang="en-US" smtClean="0"/>
-              <a:t>2023/12/4</a:t>
             </a:fld>
             <a:endParaRPr lang="zh-CN" altLang="en-US"/>
           </a:p>
@@ -693,7 +692,6 @@
           <a:p>
             <a:fld id="{1D393944-DC62-4081-86B4-76E5FCA2F9B8}" type="slidenum">
               <a:rPr lang="zh-CN" altLang="en-US" smtClean="0"/>
-              <a:t>‹#›</a:t>
             </a:fld>
             <a:endParaRPr lang="zh-CN" altLang="en-US"/>
           </a:p>
@@ -743,6 +741,7 @@
               <a:rPr lang="zh-CN" altLang="en-US"/>
               <a:t>单击此处编辑母版标题样式</a:t>
             </a:r>
+            <a:endParaRPr lang="zh-CN" altLang="en-US"/>
           </a:p>
         </p:txBody>
       </p:sp>
@@ -766,6 +765,7 @@
               <a:rPr lang="zh-CN" altLang="en-US"/>
               <a:t>编辑母版文本样式</a:t>
             </a:r>
+            <a:endParaRPr lang="zh-CN" altLang="en-US"/>
           </a:p>
           <a:p>
             <a:pPr lvl="1"/>
@@ -773,6 +773,7 @@
               <a:rPr lang="zh-CN" altLang="en-US"/>
               <a:t>第二级</a:t>
             </a:r>
+            <a:endParaRPr lang="zh-CN" altLang="en-US"/>
           </a:p>
           <a:p>
             <a:pPr lvl="2"/>
@@ -780,6 +781,7 @@
               <a:rPr lang="zh-CN" altLang="en-US"/>
               <a:t>第三级</a:t>
             </a:r>
+            <a:endParaRPr lang="zh-CN" altLang="en-US"/>
           </a:p>
           <a:p>
             <a:pPr lvl="3"/>
@@ -787,6 +789,7 @@
               <a:rPr lang="zh-CN" altLang="en-US"/>
               <a:t>第四级</a:t>
             </a:r>
+            <a:endParaRPr lang="zh-CN" altLang="en-US"/>
           </a:p>
           <a:p>
             <a:pPr lvl="4"/>
@@ -794,6 +797,7 @@
               <a:rPr lang="zh-CN" altLang="en-US"/>
               <a:t>第五级</a:t>
             </a:r>
+            <a:endParaRPr lang="zh-CN" altLang="en-US"/>
           </a:p>
         </p:txBody>
       </p:sp>
@@ -814,7 +818,6 @@
           <a:p>
             <a:fld id="{AF3DFB88-C66D-4D4F-992A-21D8B5C2FC83}" type="datetimeFigureOut">
               <a:rPr lang="zh-CN" altLang="en-US" smtClean="0"/>
-              <a:t>2023/12/4</a:t>
             </a:fld>
             <a:endParaRPr lang="zh-CN" altLang="en-US"/>
           </a:p>
@@ -856,7 +859,6 @@
           <a:p>
             <a:fld id="{1D393944-DC62-4081-86B4-76E5FCA2F9B8}" type="slidenum">
               <a:rPr lang="zh-CN" altLang="en-US" smtClean="0"/>
-              <a:t>‹#›</a:t>
             </a:fld>
             <a:endParaRPr lang="zh-CN" altLang="en-US"/>
           </a:p>
@@ -911,6 +913,7 @@
               <a:rPr lang="zh-CN" altLang="en-US"/>
               <a:t>单击此处编辑母版标题样式</a:t>
             </a:r>
+            <a:endParaRPr lang="zh-CN" altLang="en-US"/>
           </a:p>
         </p:txBody>
       </p:sp>
@@ -939,6 +942,7 @@
               <a:rPr lang="zh-CN" altLang="en-US"/>
               <a:t>编辑母版文本样式</a:t>
             </a:r>
+            <a:endParaRPr lang="zh-CN" altLang="en-US"/>
           </a:p>
           <a:p>
             <a:pPr lvl="1"/>
@@ -946,6 +950,7 @@
               <a:rPr lang="zh-CN" altLang="en-US"/>
               <a:t>第二级</a:t>
             </a:r>
+            <a:endParaRPr lang="zh-CN" altLang="en-US"/>
           </a:p>
           <a:p>
             <a:pPr lvl="2"/>
@@ -953,6 +958,7 @@
               <a:rPr lang="zh-CN" altLang="en-US"/>
               <a:t>第三级</a:t>
             </a:r>
+            <a:endParaRPr lang="zh-CN" altLang="en-US"/>
           </a:p>
           <a:p>
             <a:pPr lvl="3"/>
@@ -960,6 +966,7 @@
               <a:rPr lang="zh-CN" altLang="en-US"/>
               <a:t>第四级</a:t>
             </a:r>
+            <a:endParaRPr lang="zh-CN" altLang="en-US"/>
           </a:p>
           <a:p>
             <a:pPr lvl="4"/>
@@ -967,6 +974,7 @@
               <a:rPr lang="zh-CN" altLang="en-US"/>
               <a:t>第五级</a:t>
             </a:r>
+            <a:endParaRPr lang="zh-CN" altLang="en-US"/>
           </a:p>
         </p:txBody>
       </p:sp>
@@ -987,7 +995,6 @@
           <a:p>
             <a:fld id="{AF3DFB88-C66D-4D4F-992A-21D8B5C2FC83}" type="datetimeFigureOut">
               <a:rPr lang="zh-CN" altLang="en-US" smtClean="0"/>
-              <a:t>2023/12/4</a:t>
             </a:fld>
             <a:endParaRPr lang="zh-CN" altLang="en-US"/>
           </a:p>
@@ -1029,7 +1036,6 @@
           <a:p>
             <a:fld id="{1D393944-DC62-4081-86B4-76E5FCA2F9B8}" type="slidenum">
               <a:rPr lang="zh-CN" altLang="en-US" smtClean="0"/>
-              <a:t>‹#›</a:t>
             </a:fld>
             <a:endParaRPr lang="zh-CN" altLang="en-US"/>
           </a:p>
@@ -1079,6 +1085,7 @@
               <a:rPr lang="zh-CN" altLang="en-US"/>
               <a:t>单击此处编辑母版标题样式</a:t>
             </a:r>
+            <a:endParaRPr lang="zh-CN" altLang="en-US"/>
           </a:p>
         </p:txBody>
       </p:sp>
@@ -1102,6 +1109,7 @@
               <a:rPr lang="zh-CN" altLang="en-US"/>
               <a:t>编辑母版文本样式</a:t>
             </a:r>
+            <a:endParaRPr lang="zh-CN" altLang="en-US"/>
           </a:p>
           <a:p>
             <a:pPr lvl="1"/>
@@ -1109,6 +1117,7 @@
               <a:rPr lang="zh-CN" altLang="en-US"/>
               <a:t>第二级</a:t>
             </a:r>
+            <a:endParaRPr lang="zh-CN" altLang="en-US"/>
           </a:p>
           <a:p>
             <a:pPr lvl="2"/>
@@ -1116,6 +1125,7 @@
               <a:rPr lang="zh-CN" altLang="en-US"/>
               <a:t>第三级</a:t>
             </a:r>
+            <a:endParaRPr lang="zh-CN" altLang="en-US"/>
           </a:p>
           <a:p>
             <a:pPr lvl="3"/>
@@ -1123,6 +1133,7 @@
               <a:rPr lang="zh-CN" altLang="en-US"/>
               <a:t>第四级</a:t>
             </a:r>
+            <a:endParaRPr lang="zh-CN" altLang="en-US"/>
           </a:p>
           <a:p>
             <a:pPr lvl="4"/>
@@ -1130,6 +1141,7 @@
               <a:rPr lang="zh-CN" altLang="en-US"/>
               <a:t>第五级</a:t>
             </a:r>
+            <a:endParaRPr lang="zh-CN" altLang="en-US"/>
           </a:p>
         </p:txBody>
       </p:sp>
@@ -1150,7 +1162,6 @@
           <a:p>
             <a:fld id="{AF3DFB88-C66D-4D4F-992A-21D8B5C2FC83}" type="datetimeFigureOut">
               <a:rPr lang="zh-CN" altLang="en-US" smtClean="0"/>
-              <a:t>2023/12/4</a:t>
             </a:fld>
             <a:endParaRPr lang="zh-CN" altLang="en-US"/>
           </a:p>
@@ -1192,7 +1203,6 @@
           <a:p>
             <a:fld id="{1D393944-DC62-4081-86B4-76E5FCA2F9B8}" type="slidenum">
               <a:rPr lang="zh-CN" altLang="en-US" smtClean="0"/>
-              <a:t>‹#›</a:t>
             </a:fld>
             <a:endParaRPr lang="zh-CN" altLang="en-US"/>
           </a:p>
@@ -1251,6 +1261,7 @@
               <a:rPr lang="zh-CN" altLang="en-US"/>
               <a:t>单击此处编辑母版标题样式</a:t>
             </a:r>
+            <a:endParaRPr lang="zh-CN" altLang="en-US"/>
           </a:p>
         </p:txBody>
       </p:sp>
@@ -1370,6 +1381,7 @@
               <a:rPr lang="zh-CN" altLang="en-US"/>
               <a:t>编辑母版文本样式</a:t>
             </a:r>
+            <a:endParaRPr lang="zh-CN" altLang="en-US"/>
           </a:p>
         </p:txBody>
       </p:sp>
@@ -1390,7 +1402,6 @@
           <a:p>
             <a:fld id="{AF3DFB88-C66D-4D4F-992A-21D8B5C2FC83}" type="datetimeFigureOut">
               <a:rPr lang="zh-CN" altLang="en-US" smtClean="0"/>
-              <a:t>2023/12/4</a:t>
             </a:fld>
             <a:endParaRPr lang="zh-CN" altLang="en-US"/>
           </a:p>
@@ -1432,7 +1443,6 @@
           <a:p>
             <a:fld id="{1D393944-DC62-4081-86B4-76E5FCA2F9B8}" type="slidenum">
               <a:rPr lang="zh-CN" altLang="en-US" smtClean="0"/>
-              <a:t>‹#›</a:t>
             </a:fld>
             <a:endParaRPr lang="zh-CN" altLang="en-US"/>
           </a:p>
@@ -1482,6 +1492,7 @@
               <a:rPr lang="zh-CN" altLang="en-US"/>
               <a:t>单击此处编辑母版标题样式</a:t>
             </a:r>
+            <a:endParaRPr lang="zh-CN" altLang="en-US"/>
           </a:p>
         </p:txBody>
       </p:sp>
@@ -1510,6 +1521,7 @@
               <a:rPr lang="zh-CN" altLang="en-US"/>
               <a:t>编辑母版文本样式</a:t>
             </a:r>
+            <a:endParaRPr lang="zh-CN" altLang="en-US"/>
           </a:p>
           <a:p>
             <a:pPr lvl="1"/>
@@ -1517,6 +1529,7 @@
               <a:rPr lang="zh-CN" altLang="en-US"/>
               <a:t>第二级</a:t>
             </a:r>
+            <a:endParaRPr lang="zh-CN" altLang="en-US"/>
           </a:p>
           <a:p>
             <a:pPr lvl="2"/>
@@ -1524,6 +1537,7 @@
               <a:rPr lang="zh-CN" altLang="en-US"/>
               <a:t>第三级</a:t>
             </a:r>
+            <a:endParaRPr lang="zh-CN" altLang="en-US"/>
           </a:p>
           <a:p>
             <a:pPr lvl="3"/>
@@ -1531,6 +1545,7 @@
               <a:rPr lang="zh-CN" altLang="en-US"/>
               <a:t>第四级</a:t>
             </a:r>
+            <a:endParaRPr lang="zh-CN" altLang="en-US"/>
           </a:p>
           <a:p>
             <a:pPr lvl="4"/>
@@ -1538,6 +1553,7 @@
               <a:rPr lang="zh-CN" altLang="en-US"/>
               <a:t>第五级</a:t>
             </a:r>
+            <a:endParaRPr lang="zh-CN" altLang="en-US"/>
           </a:p>
         </p:txBody>
       </p:sp>
@@ -1566,6 +1582,7 @@
               <a:rPr lang="zh-CN" altLang="en-US"/>
               <a:t>编辑母版文本样式</a:t>
             </a:r>
+            <a:endParaRPr lang="zh-CN" altLang="en-US"/>
           </a:p>
           <a:p>
             <a:pPr lvl="1"/>
@@ -1573,6 +1590,7 @@
               <a:rPr lang="zh-CN" altLang="en-US"/>
               <a:t>第二级</a:t>
             </a:r>
+            <a:endParaRPr lang="zh-CN" altLang="en-US"/>
           </a:p>
           <a:p>
             <a:pPr lvl="2"/>
@@ -1580,6 +1598,7 @@
               <a:rPr lang="zh-CN" altLang="en-US"/>
               <a:t>第三级</a:t>
             </a:r>
+            <a:endParaRPr lang="zh-CN" altLang="en-US"/>
           </a:p>
           <a:p>
             <a:pPr lvl="3"/>
@@ -1587,6 +1606,7 @@
               <a:rPr lang="zh-CN" altLang="en-US"/>
               <a:t>第四级</a:t>
             </a:r>
+            <a:endParaRPr lang="zh-CN" altLang="en-US"/>
           </a:p>
           <a:p>
             <a:pPr lvl="4"/>
@@ -1594,6 +1614,7 @@
               <a:rPr lang="zh-CN" altLang="en-US"/>
               <a:t>第五级</a:t>
             </a:r>
+            <a:endParaRPr lang="zh-CN" altLang="en-US"/>
           </a:p>
         </p:txBody>
       </p:sp>
@@ -1614,7 +1635,6 @@
           <a:p>
             <a:fld id="{AF3DFB88-C66D-4D4F-992A-21D8B5C2FC83}" type="datetimeFigureOut">
               <a:rPr lang="zh-CN" altLang="en-US" smtClean="0"/>
-              <a:t>2023/12/4</a:t>
             </a:fld>
             <a:endParaRPr lang="zh-CN" altLang="en-US"/>
           </a:p>
@@ -1656,7 +1676,6 @@
           <a:p>
             <a:fld id="{1D393944-DC62-4081-86B4-76E5FCA2F9B8}" type="slidenum">
               <a:rPr lang="zh-CN" altLang="en-US" smtClean="0"/>
-              <a:t>‹#›</a:t>
             </a:fld>
             <a:endParaRPr lang="zh-CN" altLang="en-US"/>
           </a:p>
@@ -1711,6 +1730,7 @@
               <a:rPr lang="zh-CN" altLang="en-US"/>
               <a:t>单击此处编辑母版标题样式</a:t>
             </a:r>
+            <a:endParaRPr lang="zh-CN" altLang="en-US"/>
           </a:p>
         </p:txBody>
       </p:sp>
@@ -1776,6 +1796,7 @@
               <a:rPr lang="zh-CN" altLang="en-US"/>
               <a:t>编辑母版文本样式</a:t>
             </a:r>
+            <a:endParaRPr lang="zh-CN" altLang="en-US"/>
           </a:p>
         </p:txBody>
       </p:sp>
@@ -1804,6 +1825,7 @@
               <a:rPr lang="zh-CN" altLang="en-US"/>
               <a:t>编辑母版文本样式</a:t>
             </a:r>
+            <a:endParaRPr lang="zh-CN" altLang="en-US"/>
           </a:p>
           <a:p>
             <a:pPr lvl="1"/>
@@ -1811,6 +1833,7 @@
               <a:rPr lang="zh-CN" altLang="en-US"/>
               <a:t>第二级</a:t>
             </a:r>
+            <a:endParaRPr lang="zh-CN" altLang="en-US"/>
           </a:p>
           <a:p>
             <a:pPr lvl="2"/>
@@ -1818,6 +1841,7 @@
               <a:rPr lang="zh-CN" altLang="en-US"/>
               <a:t>第三级</a:t>
             </a:r>
+            <a:endParaRPr lang="zh-CN" altLang="en-US"/>
           </a:p>
           <a:p>
             <a:pPr lvl="3"/>
@@ -1825,6 +1849,7 @@
               <a:rPr lang="zh-CN" altLang="en-US"/>
               <a:t>第四级</a:t>
             </a:r>
+            <a:endParaRPr lang="zh-CN" altLang="en-US"/>
           </a:p>
           <a:p>
             <a:pPr lvl="4"/>
@@ -1832,6 +1857,7 @@
               <a:rPr lang="zh-CN" altLang="en-US"/>
               <a:t>第五级</a:t>
             </a:r>
+            <a:endParaRPr lang="zh-CN" altLang="en-US"/>
           </a:p>
         </p:txBody>
       </p:sp>
@@ -1897,6 +1923,7 @@
               <a:rPr lang="zh-CN" altLang="en-US"/>
               <a:t>编辑母版文本样式</a:t>
             </a:r>
+            <a:endParaRPr lang="zh-CN" altLang="en-US"/>
           </a:p>
         </p:txBody>
       </p:sp>
@@ -1925,6 +1952,7 @@
               <a:rPr lang="zh-CN" altLang="en-US"/>
               <a:t>编辑母版文本样式</a:t>
             </a:r>
+            <a:endParaRPr lang="zh-CN" altLang="en-US"/>
           </a:p>
           <a:p>
             <a:pPr lvl="1"/>
@@ -1932,6 +1960,7 @@
               <a:rPr lang="zh-CN" altLang="en-US"/>
               <a:t>第二级</a:t>
             </a:r>
+            <a:endParaRPr lang="zh-CN" altLang="en-US"/>
           </a:p>
           <a:p>
             <a:pPr lvl="2"/>
@@ -1939,6 +1968,7 @@
               <a:rPr lang="zh-CN" altLang="en-US"/>
               <a:t>第三级</a:t>
             </a:r>
+            <a:endParaRPr lang="zh-CN" altLang="en-US"/>
           </a:p>
           <a:p>
             <a:pPr lvl="3"/>
@@ -1946,6 +1976,7 @@
               <a:rPr lang="zh-CN" altLang="en-US"/>
               <a:t>第四级</a:t>
             </a:r>
+            <a:endParaRPr lang="zh-CN" altLang="en-US"/>
           </a:p>
           <a:p>
             <a:pPr lvl="4"/>
@@ -1953,6 +1984,7 @@
               <a:rPr lang="zh-CN" altLang="en-US"/>
               <a:t>第五级</a:t>
             </a:r>
+            <a:endParaRPr lang="zh-CN" altLang="en-US"/>
           </a:p>
         </p:txBody>
       </p:sp>
@@ -1973,7 +2005,6 @@
           <a:p>
             <a:fld id="{AF3DFB88-C66D-4D4F-992A-21D8B5C2FC83}" type="datetimeFigureOut">
               <a:rPr lang="zh-CN" altLang="en-US" smtClean="0"/>
-              <a:t>2023/12/4</a:t>
             </a:fld>
             <a:endParaRPr lang="zh-CN" altLang="en-US"/>
           </a:p>
@@ -2015,7 +2046,6 @@
           <a:p>
             <a:fld id="{1D393944-DC62-4081-86B4-76E5FCA2F9B8}" type="slidenum">
               <a:rPr lang="zh-CN" altLang="en-US" smtClean="0"/>
-              <a:t>‹#›</a:t>
             </a:fld>
             <a:endParaRPr lang="zh-CN" altLang="en-US"/>
           </a:p>
@@ -2065,6 +2095,7 @@
               <a:rPr lang="zh-CN" altLang="en-US"/>
               <a:t>单击此处编辑母版标题样式</a:t>
             </a:r>
+            <a:endParaRPr lang="zh-CN" altLang="en-US"/>
           </a:p>
         </p:txBody>
       </p:sp>
@@ -2085,7 +2116,6 @@
           <a:p>
             <a:fld id="{AF3DFB88-C66D-4D4F-992A-21D8B5C2FC83}" type="datetimeFigureOut">
               <a:rPr lang="zh-CN" altLang="en-US" smtClean="0"/>
-              <a:t>2023/12/4</a:t>
             </a:fld>
             <a:endParaRPr lang="zh-CN" altLang="en-US"/>
           </a:p>
@@ -2127,7 +2157,6 @@
           <a:p>
             <a:fld id="{1D393944-DC62-4081-86B4-76E5FCA2F9B8}" type="slidenum">
               <a:rPr lang="zh-CN" altLang="en-US" smtClean="0"/>
-              <a:t>‹#›</a:t>
             </a:fld>
             <a:endParaRPr lang="zh-CN" altLang="en-US"/>
           </a:p>
@@ -2175,7 +2204,6 @@
           <a:p>
             <a:fld id="{AF3DFB88-C66D-4D4F-992A-21D8B5C2FC83}" type="datetimeFigureOut">
               <a:rPr lang="zh-CN" altLang="en-US" smtClean="0"/>
-              <a:t>2023/12/4</a:t>
             </a:fld>
             <a:endParaRPr lang="zh-CN" altLang="en-US"/>
           </a:p>
@@ -2217,7 +2245,6 @@
           <a:p>
             <a:fld id="{1D393944-DC62-4081-86B4-76E5FCA2F9B8}" type="slidenum">
               <a:rPr lang="zh-CN" altLang="en-US" smtClean="0"/>
-              <a:t>‹#›</a:t>
             </a:fld>
             <a:endParaRPr lang="zh-CN" altLang="en-US"/>
           </a:p>
@@ -2276,6 +2303,7 @@
               <a:rPr lang="zh-CN" altLang="en-US"/>
               <a:t>单击此处编辑母版标题样式</a:t>
             </a:r>
+            <a:endParaRPr lang="zh-CN" altLang="en-US"/>
           </a:p>
         </p:txBody>
       </p:sp>
@@ -2332,6 +2360,7 @@
               <a:rPr lang="zh-CN" altLang="en-US"/>
               <a:t>编辑母版文本样式</a:t>
             </a:r>
+            <a:endParaRPr lang="zh-CN" altLang="en-US"/>
           </a:p>
           <a:p>
             <a:pPr lvl="1"/>
@@ -2339,6 +2368,7 @@
               <a:rPr lang="zh-CN" altLang="en-US"/>
               <a:t>第二级</a:t>
             </a:r>
+            <a:endParaRPr lang="zh-CN" altLang="en-US"/>
           </a:p>
           <a:p>
             <a:pPr lvl="2"/>
@@ -2346,6 +2376,7 @@
               <a:rPr lang="zh-CN" altLang="en-US"/>
               <a:t>第三级</a:t>
             </a:r>
+            <a:endParaRPr lang="zh-CN" altLang="en-US"/>
           </a:p>
           <a:p>
             <a:pPr lvl="3"/>
@@ -2353,6 +2384,7 @@
               <a:rPr lang="zh-CN" altLang="en-US"/>
               <a:t>第四级</a:t>
             </a:r>
+            <a:endParaRPr lang="zh-CN" altLang="en-US"/>
           </a:p>
           <a:p>
             <a:pPr lvl="4"/>
@@ -2360,6 +2392,7 @@
               <a:rPr lang="zh-CN" altLang="en-US"/>
               <a:t>第五级</a:t>
             </a:r>
+            <a:endParaRPr lang="zh-CN" altLang="en-US"/>
           </a:p>
         </p:txBody>
       </p:sp>
@@ -2425,6 +2458,7 @@
               <a:rPr lang="zh-CN" altLang="en-US"/>
               <a:t>编辑母版文本样式</a:t>
             </a:r>
+            <a:endParaRPr lang="zh-CN" altLang="en-US"/>
           </a:p>
         </p:txBody>
       </p:sp>
@@ -2445,7 +2479,6 @@
           <a:p>
             <a:fld id="{AF3DFB88-C66D-4D4F-992A-21D8B5C2FC83}" type="datetimeFigureOut">
               <a:rPr lang="zh-CN" altLang="en-US" smtClean="0"/>
-              <a:t>2023/12/4</a:t>
             </a:fld>
             <a:endParaRPr lang="zh-CN" altLang="en-US"/>
           </a:p>
@@ -2487,7 +2520,6 @@
           <a:p>
             <a:fld id="{1D393944-DC62-4081-86B4-76E5FCA2F9B8}" type="slidenum">
               <a:rPr lang="zh-CN" altLang="en-US" smtClean="0"/>
-              <a:t>‹#›</a:t>
             </a:fld>
             <a:endParaRPr lang="zh-CN" altLang="en-US"/>
           </a:p>
@@ -2546,6 +2578,7 @@
               <a:rPr lang="zh-CN" altLang="en-US"/>
               <a:t>单击此处编辑母版标题样式</a:t>
             </a:r>
+            <a:endParaRPr lang="zh-CN" altLang="en-US"/>
           </a:p>
         </p:txBody>
       </p:sp>
@@ -2672,6 +2705,7 @@
               <a:rPr lang="zh-CN" altLang="en-US"/>
               <a:t>编辑母版文本样式</a:t>
             </a:r>
+            <a:endParaRPr lang="zh-CN" altLang="en-US"/>
           </a:p>
         </p:txBody>
       </p:sp>
@@ -2692,7 +2726,6 @@
           <a:p>
             <a:fld id="{AF3DFB88-C66D-4D4F-992A-21D8B5C2FC83}" type="datetimeFigureOut">
               <a:rPr lang="zh-CN" altLang="en-US" smtClean="0"/>
-              <a:t>2023/12/4</a:t>
             </a:fld>
             <a:endParaRPr lang="zh-CN" altLang="en-US"/>
           </a:p>
@@ -2734,7 +2767,6 @@
           <a:p>
             <a:fld id="{1D393944-DC62-4081-86B4-76E5FCA2F9B8}" type="slidenum">
               <a:rPr lang="zh-CN" altLang="en-US" smtClean="0"/>
-              <a:t>‹#›</a:t>
             </a:fld>
             <a:endParaRPr lang="zh-CN" altLang="en-US"/>
           </a:p>
@@ -2799,6 +2831,7 @@
               <a:rPr lang="zh-CN" altLang="en-US"/>
               <a:t>单击此处编辑母版标题样式</a:t>
             </a:r>
+            <a:endParaRPr lang="zh-CN" altLang="en-US"/>
           </a:p>
         </p:txBody>
       </p:sp>
@@ -2832,6 +2865,7 @@
               <a:rPr lang="zh-CN" altLang="en-US"/>
               <a:t>编辑母版文本样式</a:t>
             </a:r>
+            <a:endParaRPr lang="zh-CN" altLang="en-US"/>
           </a:p>
           <a:p>
             <a:pPr lvl="1"/>
@@ -2839,6 +2873,7 @@
               <a:rPr lang="zh-CN" altLang="en-US"/>
               <a:t>第二级</a:t>
             </a:r>
+            <a:endParaRPr lang="zh-CN" altLang="en-US"/>
           </a:p>
           <a:p>
             <a:pPr lvl="2"/>
@@ -2846,6 +2881,7 @@
               <a:rPr lang="zh-CN" altLang="en-US"/>
               <a:t>第三级</a:t>
             </a:r>
+            <a:endParaRPr lang="zh-CN" altLang="en-US"/>
           </a:p>
           <a:p>
             <a:pPr lvl="3"/>
@@ -2853,6 +2889,7 @@
               <a:rPr lang="zh-CN" altLang="en-US"/>
               <a:t>第四级</a:t>
             </a:r>
+            <a:endParaRPr lang="zh-CN" altLang="en-US"/>
           </a:p>
           <a:p>
             <a:pPr lvl="4"/>
@@ -2860,6 +2897,7 @@
               <a:rPr lang="zh-CN" altLang="en-US"/>
               <a:t>第五级</a:t>
             </a:r>
+            <a:endParaRPr lang="zh-CN" altLang="en-US"/>
           </a:p>
         </p:txBody>
       </p:sp>
@@ -2898,7 +2936,6 @@
           <a:p>
             <a:fld id="{AF3DFB88-C66D-4D4F-992A-21D8B5C2FC83}" type="datetimeFigureOut">
               <a:rPr lang="zh-CN" altLang="en-US" smtClean="0"/>
-              <a:t>2023/12/4</a:t>
             </a:fld>
             <a:endParaRPr lang="zh-CN" altLang="en-US"/>
           </a:p>
@@ -2976,7 +3013,6 @@
           <a:p>
             <a:fld id="{1D393944-DC62-4081-86B4-76E5FCA2F9B8}" type="slidenum">
               <a:rPr lang="zh-CN" altLang="en-US" smtClean="0"/>
-              <a:t>‹#›</a:t>
             </a:fld>
             <a:endParaRPr lang="zh-CN" altLang="en-US"/>
           </a:p>
@@ -3307,7 +3343,7 @@
           <p:nvPr/>
         </p:nvPicPr>
         <p:blipFill>
-          <a:blip r:embed="rId3"/>
+          <a:blip r:embed="rId1"/>
           <a:stretch>
             <a:fillRect/>
           </a:stretch>
@@ -3331,7 +3367,7 @@
           <p:nvPr/>
         </p:nvPicPr>
         <p:blipFill>
-          <a:blip r:embed="rId4"/>
+          <a:blip r:embed="rId2"/>
           <a:stretch>
             <a:fillRect/>
           </a:stretch>
@@ -3355,7 +3391,7 @@
           <p:nvPr/>
         </p:nvPicPr>
         <p:blipFill rotWithShape="1">
-          <a:blip r:embed="rId4"/>
+          <a:blip r:embed="rId2"/>
           <a:srcRect l="13807"/>
           <a:stretch>
             <a:fillRect/>
@@ -3380,7 +3416,7 @@
           <p:nvPr/>
         </p:nvPicPr>
         <p:blipFill rotWithShape="1">
-          <a:blip r:embed="rId4"/>
+          <a:blip r:embed="rId2"/>
           <a:srcRect l="11337" r="31759"/>
           <a:stretch>
             <a:fillRect/>
@@ -3405,7 +3441,7 @@
           <p:nvPr/>
         </p:nvPicPr>
         <p:blipFill>
-          <a:blip r:embed="rId5"/>
+          <a:blip r:embed="rId3"/>
           <a:stretch>
             <a:fillRect/>
           </a:stretch>
@@ -3520,13 +3556,13 @@
   <p:clrMapOvr>
     <a:masterClrMapping/>
   </p:clrMapOvr>
-  <mc:AlternateContent xmlns:mc="http://schemas.openxmlformats.org/markup-compatibility/2006" xmlns:p14="http://schemas.microsoft.com/office/powerpoint/2010/main">
-    <mc:Choice Requires="p14">
+  <mc:AlternateContent xmlns:mc="http://schemas.openxmlformats.org/markup-compatibility/2006">
+    <mc:Choice xmlns:p14="http://schemas.microsoft.com/office/powerpoint/2010/main" Requires="p14">
       <p:transition spd="med" p14:dur="700">
         <p:fade/>
       </p:transition>
     </mc:Choice>
-    <mc:Fallback xmlns="">
+    <mc:Fallback>
       <p:transition spd="med">
         <p:fade/>
       </p:transition>
@@ -3605,6 +3641,30 @@
           <p:nvPr/>
         </p:nvPicPr>
         <p:blipFill>
+          <a:blip r:embed="rId1"/>
+          <a:stretch>
+            <a:fillRect/>
+          </a:stretch>
+        </p:blipFill>
+        <p:spPr>
+          <a:xfrm>
+            <a:off x="-13252" y="4877075"/>
+            <a:ext cx="12192000" cy="1980925"/>
+          </a:xfrm>
+          <a:prstGeom prst="rect">
+            <a:avLst/>
+          </a:prstGeom>
+        </p:spPr>
+      </p:pic>
+      <p:pic>
+        <p:nvPicPr>
+          <p:cNvPr id="8" name="图片 7"/>
+          <p:cNvPicPr>
+            <a:picLocks noChangeAspect="1"/>
+          </p:cNvPicPr>
+          <p:nvPr/>
+        </p:nvPicPr>
+        <p:blipFill>
           <a:blip r:embed="rId2"/>
           <a:stretch>
             <a:fillRect/>
@@ -3612,8 +3672,8 @@
         </p:blipFill>
         <p:spPr>
           <a:xfrm>
-            <a:off x="-13252" y="4877075"/>
-            <a:ext cx="12192000" cy="1980925"/>
+            <a:off x="439676" y="307638"/>
+            <a:ext cx="265554" cy="934751"/>
           </a:xfrm>
           <a:prstGeom prst="rect">
             <a:avLst/>
@@ -3622,7 +3682,7 @@
       </p:pic>
       <p:pic>
         <p:nvPicPr>
-          <p:cNvPr id="8" name="图片 7"/>
+          <p:cNvPr id="9" name="图片 8"/>
           <p:cNvPicPr>
             <a:picLocks noChangeAspect="1"/>
           </p:cNvPicPr>
@@ -3636,8 +3696,8 @@
         </p:blipFill>
         <p:spPr>
           <a:xfrm>
-            <a:off x="439676" y="307638"/>
-            <a:ext cx="265554" cy="934751"/>
+            <a:off x="-22104" y="5391540"/>
+            <a:ext cx="5018936" cy="1334540"/>
           </a:xfrm>
           <a:prstGeom prst="rect">
             <a:avLst/>
@@ -3646,7 +3706,57 @@
       </p:pic>
       <p:pic>
         <p:nvPicPr>
-          <p:cNvPr id="9" name="图片 8"/>
+          <p:cNvPr id="7" name="图片 6"/>
+          <p:cNvPicPr>
+            <a:picLocks noChangeAspect="1"/>
+          </p:cNvPicPr>
+          <p:nvPr/>
+        </p:nvPicPr>
+        <p:blipFill rotWithShape="1">
+          <a:blip r:embed="rId3"/>
+          <a:srcRect l="13807"/>
+          <a:stretch>
+            <a:fillRect/>
+          </a:stretch>
+        </p:blipFill>
+        <p:spPr>
+          <a:xfrm>
+            <a:off x="4996832" y="5391540"/>
+            <a:ext cx="4325964" cy="1334540"/>
+          </a:xfrm>
+          <a:prstGeom prst="rect">
+            <a:avLst/>
+          </a:prstGeom>
+        </p:spPr>
+      </p:pic>
+      <p:pic>
+        <p:nvPicPr>
+          <p:cNvPr id="10" name="图片 9"/>
+          <p:cNvPicPr>
+            <a:picLocks noChangeAspect="1"/>
+          </p:cNvPicPr>
+          <p:nvPr/>
+        </p:nvPicPr>
+        <p:blipFill rotWithShape="1">
+          <a:blip r:embed="rId3"/>
+          <a:srcRect l="11337" r="31759"/>
+          <a:stretch>
+            <a:fillRect/>
+          </a:stretch>
+        </p:blipFill>
+        <p:spPr>
+          <a:xfrm flipH="1">
+            <a:off x="9322796" y="5391540"/>
+            <a:ext cx="2855952" cy="1334540"/>
+          </a:xfrm>
+          <a:prstGeom prst="rect">
+            <a:avLst/>
+          </a:prstGeom>
+        </p:spPr>
+      </p:pic>
+      <p:pic>
+        <p:nvPicPr>
+          <p:cNvPr id="5" name="图片 4"/>
           <p:cNvPicPr>
             <a:picLocks noChangeAspect="1"/>
           </p:cNvPicPr>
@@ -3660,80 +3770,6 @@
         </p:blipFill>
         <p:spPr>
           <a:xfrm>
-            <a:off x="-22104" y="5391540"/>
-            <a:ext cx="5018936" cy="1334540"/>
-          </a:xfrm>
-          <a:prstGeom prst="rect">
-            <a:avLst/>
-          </a:prstGeom>
-        </p:spPr>
-      </p:pic>
-      <p:pic>
-        <p:nvPicPr>
-          <p:cNvPr id="7" name="图片 6"/>
-          <p:cNvPicPr>
-            <a:picLocks noChangeAspect="1"/>
-          </p:cNvPicPr>
-          <p:nvPr/>
-        </p:nvPicPr>
-        <p:blipFill rotWithShape="1">
-          <a:blip r:embed="rId4"/>
-          <a:srcRect l="13807"/>
-          <a:stretch>
-            <a:fillRect/>
-          </a:stretch>
-        </p:blipFill>
-        <p:spPr>
-          <a:xfrm>
-            <a:off x="4996832" y="5391540"/>
-            <a:ext cx="4325964" cy="1334540"/>
-          </a:xfrm>
-          <a:prstGeom prst="rect">
-            <a:avLst/>
-          </a:prstGeom>
-        </p:spPr>
-      </p:pic>
-      <p:pic>
-        <p:nvPicPr>
-          <p:cNvPr id="10" name="图片 9"/>
-          <p:cNvPicPr>
-            <a:picLocks noChangeAspect="1"/>
-          </p:cNvPicPr>
-          <p:nvPr/>
-        </p:nvPicPr>
-        <p:blipFill rotWithShape="1">
-          <a:blip r:embed="rId4"/>
-          <a:srcRect l="11337" r="31759"/>
-          <a:stretch>
-            <a:fillRect/>
-          </a:stretch>
-        </p:blipFill>
-        <p:spPr>
-          <a:xfrm flipH="1">
-            <a:off x="9322796" y="5391540"/>
-            <a:ext cx="2855952" cy="1334540"/>
-          </a:xfrm>
-          <a:prstGeom prst="rect">
-            <a:avLst/>
-          </a:prstGeom>
-        </p:spPr>
-      </p:pic>
-      <p:pic>
-        <p:nvPicPr>
-          <p:cNvPr id="5" name="图片 4"/>
-          <p:cNvPicPr>
-            <a:picLocks noChangeAspect="1"/>
-          </p:cNvPicPr>
-          <p:nvPr/>
-        </p:nvPicPr>
-        <p:blipFill>
-          <a:blip r:embed="rId5"/>
-          <a:stretch>
-            <a:fillRect/>
-          </a:stretch>
-        </p:blipFill>
-        <p:spPr>
-          <a:xfrm>
             <a:off x="9515388" y="485139"/>
             <a:ext cx="2358781" cy="579748"/>
           </a:xfrm>
@@ -3843,6 +3879,10 @@
               </a:rPr>
               <a:t>Test results for randomly selected users</a:t>
             </a:r>
+            <a:endParaRPr lang="en-US" altLang="zh-CN" sz="3200" dirty="0">
+              <a:latin typeface="微软雅黑" panose="020B0503020204020204" pitchFamily="34" charset="-122"/>
+              <a:ea typeface="微软雅黑" panose="020B0503020204020204" pitchFamily="34" charset="-122"/>
+            </a:endParaRPr>
           </a:p>
           <a:p>
             <a:pPr marL="571500" indent="-571500" algn="l">
@@ -3859,6 +3899,10 @@
               </a:rPr>
               <a:t>Network structure of different algorithm frameworks</a:t>
             </a:r>
+            <a:endParaRPr lang="en-US" altLang="zh-CN" sz="3200" dirty="0">
+              <a:latin typeface="微软雅黑" panose="020B0503020204020204" pitchFamily="34" charset="-122"/>
+              <a:ea typeface="微软雅黑" panose="020B0503020204020204" pitchFamily="34" charset="-122"/>
+            </a:endParaRPr>
           </a:p>
         </p:txBody>
       </p:sp>
@@ -3867,13 +3911,13 @@
   <p:clrMapOvr>
     <a:masterClrMapping/>
   </p:clrMapOvr>
-  <mc:AlternateContent xmlns:mc="http://schemas.openxmlformats.org/markup-compatibility/2006" xmlns:p14="http://schemas.microsoft.com/office/powerpoint/2010/main">
-    <mc:Choice Requires="p14">
+  <mc:AlternateContent xmlns:mc="http://schemas.openxmlformats.org/markup-compatibility/2006">
+    <mc:Choice xmlns:p14="http://schemas.microsoft.com/office/powerpoint/2010/main" Requires="p14">
       <p:transition spd="med" p14:dur="700">
         <p:fade/>
       </p:transition>
     </mc:Choice>
-    <mc:Fallback xmlns="">
+    <mc:Fallback>
       <p:transition spd="med">
         <p:fade/>
       </p:transition>
@@ -3959,6 +4003,30 @@
           <p:nvPr/>
         </p:nvPicPr>
         <p:blipFill>
+          <a:blip r:embed="rId1"/>
+          <a:stretch>
+            <a:fillRect/>
+          </a:stretch>
+        </p:blipFill>
+        <p:spPr>
+          <a:xfrm>
+            <a:off x="13252" y="4907605"/>
+            <a:ext cx="12192000" cy="1980925"/>
+          </a:xfrm>
+          <a:prstGeom prst="rect">
+            <a:avLst/>
+          </a:prstGeom>
+        </p:spPr>
+      </p:pic>
+      <p:pic>
+        <p:nvPicPr>
+          <p:cNvPr id="8" name="图片 7"/>
+          <p:cNvPicPr>
+            <a:picLocks noChangeAspect="1"/>
+          </p:cNvPicPr>
+          <p:nvPr/>
+        </p:nvPicPr>
+        <p:blipFill>
           <a:blip r:embed="rId2"/>
           <a:stretch>
             <a:fillRect/>
@@ -3966,8 +4034,8 @@
         </p:blipFill>
         <p:spPr>
           <a:xfrm>
-            <a:off x="13252" y="4907605"/>
-            <a:ext cx="12192000" cy="1980925"/>
+            <a:off x="439676" y="307638"/>
+            <a:ext cx="265554" cy="934751"/>
           </a:xfrm>
           <a:prstGeom prst="rect">
             <a:avLst/>
@@ -3976,7 +4044,7 @@
       </p:pic>
       <p:pic>
         <p:nvPicPr>
-          <p:cNvPr id="8" name="图片 7"/>
+          <p:cNvPr id="9" name="图片 8"/>
           <p:cNvPicPr>
             <a:picLocks noChangeAspect="1"/>
           </p:cNvPicPr>
@@ -3990,8 +4058,8 @@
         </p:blipFill>
         <p:spPr>
           <a:xfrm>
-            <a:off x="439676" y="307638"/>
-            <a:ext cx="265554" cy="934751"/>
+            <a:off x="-22104" y="5391540"/>
+            <a:ext cx="5018936" cy="1334540"/>
           </a:xfrm>
           <a:prstGeom prst="rect">
             <a:avLst/>
@@ -4000,7 +4068,57 @@
       </p:pic>
       <p:pic>
         <p:nvPicPr>
-          <p:cNvPr id="9" name="图片 8"/>
+          <p:cNvPr id="7" name="图片 6"/>
+          <p:cNvPicPr>
+            <a:picLocks noChangeAspect="1"/>
+          </p:cNvPicPr>
+          <p:nvPr/>
+        </p:nvPicPr>
+        <p:blipFill rotWithShape="1">
+          <a:blip r:embed="rId3"/>
+          <a:srcRect l="13807"/>
+          <a:stretch>
+            <a:fillRect/>
+          </a:stretch>
+        </p:blipFill>
+        <p:spPr>
+          <a:xfrm>
+            <a:off x="4996832" y="5391540"/>
+            <a:ext cx="4325964" cy="1334540"/>
+          </a:xfrm>
+          <a:prstGeom prst="rect">
+            <a:avLst/>
+          </a:prstGeom>
+        </p:spPr>
+      </p:pic>
+      <p:pic>
+        <p:nvPicPr>
+          <p:cNvPr id="10" name="图片 9"/>
+          <p:cNvPicPr>
+            <a:picLocks noChangeAspect="1"/>
+          </p:cNvPicPr>
+          <p:nvPr/>
+        </p:nvPicPr>
+        <p:blipFill rotWithShape="1">
+          <a:blip r:embed="rId3"/>
+          <a:srcRect l="11337" r="31759"/>
+          <a:stretch>
+            <a:fillRect/>
+          </a:stretch>
+        </p:blipFill>
+        <p:spPr>
+          <a:xfrm flipH="1">
+            <a:off x="9322796" y="5391540"/>
+            <a:ext cx="2855952" cy="1334540"/>
+          </a:xfrm>
+          <a:prstGeom prst="rect">
+            <a:avLst/>
+          </a:prstGeom>
+        </p:spPr>
+      </p:pic>
+      <p:pic>
+        <p:nvPicPr>
+          <p:cNvPr id="5" name="图片 4"/>
           <p:cNvPicPr>
             <a:picLocks noChangeAspect="1"/>
           </p:cNvPicPr>
@@ -4014,67 +4132,54 @@
         </p:blipFill>
         <p:spPr>
           <a:xfrm>
-            <a:off x="-22104" y="5391540"/>
-            <a:ext cx="5018936" cy="1334540"/>
+            <a:off x="9515388" y="485139"/>
+            <a:ext cx="2358781" cy="579748"/>
           </a:xfrm>
           <a:prstGeom prst="rect">
             <a:avLst/>
           </a:prstGeom>
         </p:spPr>
       </p:pic>
+      <p:sp>
+        <p:nvSpPr>
+          <p:cNvPr id="12" name="文本框 11"/>
+          <p:cNvSpPr txBox="1"/>
+          <p:nvPr/>
+        </p:nvSpPr>
+        <p:spPr>
+          <a:xfrm>
+            <a:off x="7404100" y="2946400"/>
+            <a:ext cx="1451038" cy="646331"/>
+          </a:xfrm>
+          <a:prstGeom prst="rect">
+            <a:avLst/>
+          </a:prstGeom>
+          <a:noFill/>
+        </p:spPr>
+        <p:txBody>
+          <a:bodyPr wrap="none" rtlCol="0">
+            <a:spAutoFit/>
+          </a:bodyPr>
+          <a:lstStyle/>
+          <a:p>
+            <a:r>
+              <a:rPr lang="en-US" altLang="zh-CN" dirty="0"/>
+              <a:t>Non-IID=0.5</a:t>
+            </a:r>
+            <a:endParaRPr lang="en-US" altLang="zh-CN" dirty="0"/>
+          </a:p>
+          <a:p>
+            <a:r>
+              <a:rPr lang="en-US" altLang="zh-CN" dirty="0"/>
+              <a:t>Rate=0.2</a:t>
+            </a:r>
+            <a:endParaRPr lang="zh-CN" altLang="en-US" dirty="0"/>
+          </a:p>
+        </p:txBody>
+      </p:sp>
       <p:pic>
         <p:nvPicPr>
-          <p:cNvPr id="7" name="图片 6"/>
-          <p:cNvPicPr>
-            <a:picLocks noChangeAspect="1"/>
-          </p:cNvPicPr>
-          <p:nvPr/>
-        </p:nvPicPr>
-        <p:blipFill rotWithShape="1">
-          <a:blip r:embed="rId4"/>
-          <a:srcRect l="13807"/>
-          <a:stretch>
-            <a:fillRect/>
-          </a:stretch>
-        </p:blipFill>
-        <p:spPr>
-          <a:xfrm>
-            <a:off x="4996832" y="5391540"/>
-            <a:ext cx="4325964" cy="1334540"/>
-          </a:xfrm>
-          <a:prstGeom prst="rect">
-            <a:avLst/>
-          </a:prstGeom>
-        </p:spPr>
-      </p:pic>
-      <p:pic>
-        <p:nvPicPr>
-          <p:cNvPr id="10" name="图片 9"/>
-          <p:cNvPicPr>
-            <a:picLocks noChangeAspect="1"/>
-          </p:cNvPicPr>
-          <p:nvPr/>
-        </p:nvPicPr>
-        <p:blipFill rotWithShape="1">
-          <a:blip r:embed="rId4"/>
-          <a:srcRect l="11337" r="31759"/>
-          <a:stretch>
-            <a:fillRect/>
-          </a:stretch>
-        </p:blipFill>
-        <p:spPr>
-          <a:xfrm flipH="1">
-            <a:off x="9322796" y="5391540"/>
-            <a:ext cx="2855952" cy="1334540"/>
-          </a:xfrm>
-          <a:prstGeom prst="rect">
-            <a:avLst/>
-          </a:prstGeom>
-        </p:spPr>
-      </p:pic>
-      <p:pic>
-        <p:nvPicPr>
-          <p:cNvPr id="5" name="图片 4"/>
+          <p:cNvPr id="6" name="图片 5"/>
           <p:cNvPicPr>
             <a:picLocks noChangeAspect="1"/>
           </p:cNvPicPr>
@@ -4088,79 +4193,7 @@
         </p:blipFill>
         <p:spPr>
           <a:xfrm>
-            <a:off x="9515388" y="485139"/>
-            <a:ext cx="2358781" cy="579748"/>
-          </a:xfrm>
-          <a:prstGeom prst="rect">
-            <a:avLst/>
-          </a:prstGeom>
-        </p:spPr>
-      </p:pic>
-      <p:sp>
-        <p:nvSpPr>
-          <p:cNvPr id="12" name="文本框 11">
-            <a:extLst>
-              <a:ext uri="{FF2B5EF4-FFF2-40B4-BE49-F238E27FC236}">
-                <a16:creationId xmlns:a16="http://schemas.microsoft.com/office/drawing/2014/main" id="{8B0D3686-37CA-B8DA-E734-248786DE30B5}"/>
-              </a:ext>
-            </a:extLst>
-          </p:cNvPr>
-          <p:cNvSpPr txBox="1"/>
-          <p:nvPr/>
-        </p:nvSpPr>
-        <p:spPr>
-          <a:xfrm>
-            <a:off x="7404100" y="2946400"/>
-            <a:ext cx="1451038" cy="646331"/>
-          </a:xfrm>
-          <a:prstGeom prst="rect">
-            <a:avLst/>
-          </a:prstGeom>
-          <a:noFill/>
-        </p:spPr>
-        <p:txBody>
-          <a:bodyPr wrap="none" rtlCol="0">
-            <a:spAutoFit/>
-          </a:bodyPr>
-          <a:lstStyle/>
-          <a:p>
-            <a:r>
-              <a:rPr lang="en-US" altLang="zh-CN" dirty="0"/>
-              <a:t>Non-IID=0.9</a:t>
-            </a:r>
-          </a:p>
-          <a:p>
-            <a:r>
-              <a:rPr lang="en-US" altLang="zh-CN" dirty="0"/>
-              <a:t>Rate=0.2</a:t>
-            </a:r>
-            <a:endParaRPr lang="zh-CN" altLang="en-US" dirty="0"/>
-          </a:p>
-        </p:txBody>
-      </p:sp>
-      <p:pic>
-        <p:nvPicPr>
-          <p:cNvPr id="11" name="图片 10">
-            <a:extLst>
-              <a:ext uri="{FF2B5EF4-FFF2-40B4-BE49-F238E27FC236}">
-                <a16:creationId xmlns:a16="http://schemas.microsoft.com/office/drawing/2014/main" id="{04978727-7AF9-F83C-7EE6-C08A3FB543A6}"/>
-              </a:ext>
-            </a:extLst>
-          </p:cNvPr>
-          <p:cNvPicPr>
-            <a:picLocks noChangeAspect="1"/>
-          </p:cNvPicPr>
-          <p:nvPr/>
-        </p:nvPicPr>
-        <p:blipFill>
-          <a:blip r:embed="rId6"/>
-          <a:stretch>
-            <a:fillRect/>
-          </a:stretch>
-        </p:blipFill>
-        <p:spPr>
-          <a:xfrm>
-            <a:off x="1117600" y="1311380"/>
+            <a:off x="1185545" y="1243655"/>
             <a:ext cx="4396740" cy="3663950"/>
           </a:xfrm>
           <a:prstGeom prst="rect">
@@ -4173,13 +4206,13 @@
   <p:clrMapOvr>
     <a:masterClrMapping/>
   </p:clrMapOvr>
-  <mc:AlternateContent xmlns:mc="http://schemas.openxmlformats.org/markup-compatibility/2006" xmlns:p14="http://schemas.microsoft.com/office/powerpoint/2010/main">
-    <mc:Choice Requires="p14">
+  <mc:AlternateContent xmlns:mc="http://schemas.openxmlformats.org/markup-compatibility/2006">
+    <mc:Choice xmlns:p14="http://schemas.microsoft.com/office/powerpoint/2010/main" Requires="p14">
       <p:transition spd="med" p14:dur="700">
         <p:fade/>
       </p:transition>
     </mc:Choice>
-    <mc:Fallback xmlns="">
+    <mc:Fallback>
       <p:transition spd="med">
         <p:fade/>
       </p:transition>
@@ -4265,6 +4298,30 @@
           <p:nvPr/>
         </p:nvPicPr>
         <p:blipFill>
+          <a:blip r:embed="rId1"/>
+          <a:stretch>
+            <a:fillRect/>
+          </a:stretch>
+        </p:blipFill>
+        <p:spPr>
+          <a:xfrm>
+            <a:off x="13252" y="4907605"/>
+            <a:ext cx="12192000" cy="1980925"/>
+          </a:xfrm>
+          <a:prstGeom prst="rect">
+            <a:avLst/>
+          </a:prstGeom>
+        </p:spPr>
+      </p:pic>
+      <p:pic>
+        <p:nvPicPr>
+          <p:cNvPr id="8" name="图片 7"/>
+          <p:cNvPicPr>
+            <a:picLocks noChangeAspect="1"/>
+          </p:cNvPicPr>
+          <p:nvPr/>
+        </p:nvPicPr>
+        <p:blipFill>
           <a:blip r:embed="rId2"/>
           <a:stretch>
             <a:fillRect/>
@@ -4272,8 +4329,8 @@
         </p:blipFill>
         <p:spPr>
           <a:xfrm>
-            <a:off x="13252" y="4907605"/>
-            <a:ext cx="12192000" cy="1980925"/>
+            <a:off x="439676" y="307638"/>
+            <a:ext cx="265554" cy="934751"/>
           </a:xfrm>
           <a:prstGeom prst="rect">
             <a:avLst/>
@@ -4282,7 +4339,7 @@
       </p:pic>
       <p:pic>
         <p:nvPicPr>
-          <p:cNvPr id="8" name="图片 7"/>
+          <p:cNvPr id="9" name="图片 8"/>
           <p:cNvPicPr>
             <a:picLocks noChangeAspect="1"/>
           </p:cNvPicPr>
@@ -4296,8 +4353,8 @@
         </p:blipFill>
         <p:spPr>
           <a:xfrm>
-            <a:off x="439676" y="307638"/>
-            <a:ext cx="265554" cy="934751"/>
+            <a:off x="-22104" y="5391540"/>
+            <a:ext cx="5018936" cy="1334540"/>
           </a:xfrm>
           <a:prstGeom prst="rect">
             <a:avLst/>
@@ -4306,7 +4363,57 @@
       </p:pic>
       <p:pic>
         <p:nvPicPr>
-          <p:cNvPr id="9" name="图片 8"/>
+          <p:cNvPr id="7" name="图片 6"/>
+          <p:cNvPicPr>
+            <a:picLocks noChangeAspect="1"/>
+          </p:cNvPicPr>
+          <p:nvPr/>
+        </p:nvPicPr>
+        <p:blipFill rotWithShape="1">
+          <a:blip r:embed="rId3"/>
+          <a:srcRect l="13807"/>
+          <a:stretch>
+            <a:fillRect/>
+          </a:stretch>
+        </p:blipFill>
+        <p:spPr>
+          <a:xfrm>
+            <a:off x="4996832" y="5391540"/>
+            <a:ext cx="4325964" cy="1334540"/>
+          </a:xfrm>
+          <a:prstGeom prst="rect">
+            <a:avLst/>
+          </a:prstGeom>
+        </p:spPr>
+      </p:pic>
+      <p:pic>
+        <p:nvPicPr>
+          <p:cNvPr id="10" name="图片 9"/>
+          <p:cNvPicPr>
+            <a:picLocks noChangeAspect="1"/>
+          </p:cNvPicPr>
+          <p:nvPr/>
+        </p:nvPicPr>
+        <p:blipFill rotWithShape="1">
+          <a:blip r:embed="rId3"/>
+          <a:srcRect l="11337" r="31759"/>
+          <a:stretch>
+            <a:fillRect/>
+          </a:stretch>
+        </p:blipFill>
+        <p:spPr>
+          <a:xfrm flipH="1">
+            <a:off x="9322796" y="5391540"/>
+            <a:ext cx="2855952" cy="1334540"/>
+          </a:xfrm>
+          <a:prstGeom prst="rect">
+            <a:avLst/>
+          </a:prstGeom>
+        </p:spPr>
+      </p:pic>
+      <p:pic>
+        <p:nvPicPr>
+          <p:cNvPr id="5" name="图片 4"/>
           <p:cNvPicPr>
             <a:picLocks noChangeAspect="1"/>
           </p:cNvPicPr>
@@ -4320,67 +4427,54 @@
         </p:blipFill>
         <p:spPr>
           <a:xfrm>
-            <a:off x="-22104" y="5391540"/>
-            <a:ext cx="5018936" cy="1334540"/>
+            <a:off x="9515388" y="485139"/>
+            <a:ext cx="2358781" cy="579748"/>
           </a:xfrm>
           <a:prstGeom prst="rect">
             <a:avLst/>
           </a:prstGeom>
         </p:spPr>
       </p:pic>
+      <p:sp>
+        <p:nvSpPr>
+          <p:cNvPr id="12" name="文本框 11"/>
+          <p:cNvSpPr txBox="1"/>
+          <p:nvPr/>
+        </p:nvSpPr>
+        <p:spPr>
+          <a:xfrm>
+            <a:off x="7404100" y="2946400"/>
+            <a:ext cx="1451038" cy="646331"/>
+          </a:xfrm>
+          <a:prstGeom prst="rect">
+            <a:avLst/>
+          </a:prstGeom>
+          <a:noFill/>
+        </p:spPr>
+        <p:txBody>
+          <a:bodyPr wrap="none" rtlCol="0">
+            <a:spAutoFit/>
+          </a:bodyPr>
+          <a:lstStyle/>
+          <a:p>
+            <a:r>
+              <a:rPr lang="en-US" altLang="zh-CN" dirty="0"/>
+              <a:t>Non-IID=0.9</a:t>
+            </a:r>
+            <a:endParaRPr lang="en-US" altLang="zh-CN" dirty="0"/>
+          </a:p>
+          <a:p>
+            <a:r>
+              <a:rPr lang="en-US" altLang="zh-CN" dirty="0"/>
+              <a:t>Rate=0.2</a:t>
+            </a:r>
+            <a:endParaRPr lang="zh-CN" altLang="en-US" dirty="0"/>
+          </a:p>
+        </p:txBody>
+      </p:sp>
       <p:pic>
         <p:nvPicPr>
-          <p:cNvPr id="7" name="图片 6"/>
-          <p:cNvPicPr>
-            <a:picLocks noChangeAspect="1"/>
-          </p:cNvPicPr>
-          <p:nvPr/>
-        </p:nvPicPr>
-        <p:blipFill rotWithShape="1">
-          <a:blip r:embed="rId4"/>
-          <a:srcRect l="13807"/>
-          <a:stretch>
-            <a:fillRect/>
-          </a:stretch>
-        </p:blipFill>
-        <p:spPr>
-          <a:xfrm>
-            <a:off x="4996832" y="5391540"/>
-            <a:ext cx="4325964" cy="1334540"/>
-          </a:xfrm>
-          <a:prstGeom prst="rect">
-            <a:avLst/>
-          </a:prstGeom>
-        </p:spPr>
-      </p:pic>
-      <p:pic>
-        <p:nvPicPr>
-          <p:cNvPr id="10" name="图片 9"/>
-          <p:cNvPicPr>
-            <a:picLocks noChangeAspect="1"/>
-          </p:cNvPicPr>
-          <p:nvPr/>
-        </p:nvPicPr>
-        <p:blipFill rotWithShape="1">
-          <a:blip r:embed="rId4"/>
-          <a:srcRect l="11337" r="31759"/>
-          <a:stretch>
-            <a:fillRect/>
-          </a:stretch>
-        </p:blipFill>
-        <p:spPr>
-          <a:xfrm flipH="1">
-            <a:off x="9322796" y="5391540"/>
-            <a:ext cx="2855952" cy="1334540"/>
-          </a:xfrm>
-          <a:prstGeom prst="rect">
-            <a:avLst/>
-          </a:prstGeom>
-        </p:spPr>
-      </p:pic>
-      <p:pic>
-        <p:nvPicPr>
-          <p:cNvPr id="5" name="图片 4"/>
+          <p:cNvPr id="11" name="图片 10"/>
           <p:cNvPicPr>
             <a:picLocks noChangeAspect="1"/>
           </p:cNvPicPr>
@@ -4394,79 +4488,7 @@
         </p:blipFill>
         <p:spPr>
           <a:xfrm>
-            <a:off x="9515388" y="485139"/>
-            <a:ext cx="2358781" cy="579748"/>
-          </a:xfrm>
-          <a:prstGeom prst="rect">
-            <a:avLst/>
-          </a:prstGeom>
-        </p:spPr>
-      </p:pic>
-      <p:sp>
-        <p:nvSpPr>
-          <p:cNvPr id="12" name="文本框 11">
-            <a:extLst>
-              <a:ext uri="{FF2B5EF4-FFF2-40B4-BE49-F238E27FC236}">
-                <a16:creationId xmlns:a16="http://schemas.microsoft.com/office/drawing/2014/main" id="{8B0D3686-37CA-B8DA-E734-248786DE30B5}"/>
-              </a:ext>
-            </a:extLst>
-          </p:cNvPr>
-          <p:cNvSpPr txBox="1"/>
-          <p:nvPr/>
-        </p:nvSpPr>
-        <p:spPr>
-          <a:xfrm>
-            <a:off x="7404100" y="2946400"/>
-            <a:ext cx="1451038" cy="646331"/>
-          </a:xfrm>
-          <a:prstGeom prst="rect">
-            <a:avLst/>
-          </a:prstGeom>
-          <a:noFill/>
-        </p:spPr>
-        <p:txBody>
-          <a:bodyPr wrap="none" rtlCol="0">
-            <a:spAutoFit/>
-          </a:bodyPr>
-          <a:lstStyle/>
-          <a:p>
-            <a:r>
-              <a:rPr lang="en-US" altLang="zh-CN" dirty="0"/>
-              <a:t>Non-IID=0.5</a:t>
-            </a:r>
-          </a:p>
-          <a:p>
-            <a:r>
-              <a:rPr lang="en-US" altLang="zh-CN" dirty="0"/>
-              <a:t>Rate=0.2</a:t>
-            </a:r>
-            <a:endParaRPr lang="zh-CN" altLang="en-US" dirty="0"/>
-          </a:p>
-        </p:txBody>
-      </p:sp>
-      <p:pic>
-        <p:nvPicPr>
-          <p:cNvPr id="6" name="图片 5">
-            <a:extLst>
-              <a:ext uri="{FF2B5EF4-FFF2-40B4-BE49-F238E27FC236}">
-                <a16:creationId xmlns:a16="http://schemas.microsoft.com/office/drawing/2014/main" id="{2A44BC7E-5AED-5F00-CED6-33FFD2E2767D}"/>
-              </a:ext>
-            </a:extLst>
-          </p:cNvPr>
-          <p:cNvPicPr>
-            <a:picLocks noChangeAspect="1"/>
-          </p:cNvPicPr>
-          <p:nvPr/>
-        </p:nvPicPr>
-        <p:blipFill>
-          <a:blip r:embed="rId6"/>
-          <a:stretch>
-            <a:fillRect/>
-          </a:stretch>
-        </p:blipFill>
-        <p:spPr>
-          <a:xfrm>
-            <a:off x="1185545" y="1243655"/>
+            <a:off x="1117600" y="1311380"/>
             <a:ext cx="4396740" cy="3663950"/>
           </a:xfrm>
           <a:prstGeom prst="rect">
@@ -4475,22 +4497,17 @@
         </p:spPr>
       </p:pic>
     </p:spTree>
-    <p:extLst>
-      <p:ext uri="{BB962C8B-B14F-4D97-AF65-F5344CB8AC3E}">
-        <p14:creationId xmlns:p14="http://schemas.microsoft.com/office/powerpoint/2010/main" val="3767065608"/>
-      </p:ext>
-    </p:extLst>
   </p:cSld>
   <p:clrMapOvr>
     <a:masterClrMapping/>
   </p:clrMapOvr>
-  <mc:AlternateContent xmlns:mc="http://schemas.openxmlformats.org/markup-compatibility/2006" xmlns:p14="http://schemas.microsoft.com/office/powerpoint/2010/main">
-    <mc:Choice Requires="p14">
+  <mc:AlternateContent xmlns:mc="http://schemas.openxmlformats.org/markup-compatibility/2006">
+    <mc:Choice xmlns:p14="http://schemas.microsoft.com/office/powerpoint/2010/main" Requires="p14">
       <p:transition spd="med" p14:dur="700">
         <p:fade/>
       </p:transition>
     </mc:Choice>
-    <mc:Fallback xmlns="">
+    <mc:Fallback>
       <p:transition spd="med">
         <p:fade/>
       </p:transition>
@@ -4576,6 +4593,30 @@
           <p:nvPr/>
         </p:nvPicPr>
         <p:blipFill>
+          <a:blip r:embed="rId1"/>
+          <a:stretch>
+            <a:fillRect/>
+          </a:stretch>
+        </p:blipFill>
+        <p:spPr>
+          <a:xfrm>
+            <a:off x="13252" y="4907605"/>
+            <a:ext cx="12192000" cy="1980925"/>
+          </a:xfrm>
+          <a:prstGeom prst="rect">
+            <a:avLst/>
+          </a:prstGeom>
+        </p:spPr>
+      </p:pic>
+      <p:pic>
+        <p:nvPicPr>
+          <p:cNvPr id="8" name="图片 7"/>
+          <p:cNvPicPr>
+            <a:picLocks noChangeAspect="1"/>
+          </p:cNvPicPr>
+          <p:nvPr/>
+        </p:nvPicPr>
+        <p:blipFill>
           <a:blip r:embed="rId2"/>
           <a:stretch>
             <a:fillRect/>
@@ -4583,8 +4624,8 @@
         </p:blipFill>
         <p:spPr>
           <a:xfrm>
-            <a:off x="13252" y="4907605"/>
-            <a:ext cx="12192000" cy="1980925"/>
+            <a:off x="439676" y="307638"/>
+            <a:ext cx="265554" cy="934751"/>
           </a:xfrm>
           <a:prstGeom prst="rect">
             <a:avLst/>
@@ -4593,7 +4634,7 @@
       </p:pic>
       <p:pic>
         <p:nvPicPr>
-          <p:cNvPr id="8" name="图片 7"/>
+          <p:cNvPr id="9" name="图片 8"/>
           <p:cNvPicPr>
             <a:picLocks noChangeAspect="1"/>
           </p:cNvPicPr>
@@ -4607,8 +4648,8 @@
         </p:blipFill>
         <p:spPr>
           <a:xfrm>
-            <a:off x="439676" y="307638"/>
-            <a:ext cx="265554" cy="934751"/>
+            <a:off x="-22104" y="5391540"/>
+            <a:ext cx="5018936" cy="1334540"/>
           </a:xfrm>
           <a:prstGeom prst="rect">
             <a:avLst/>
@@ -4617,7 +4658,57 @@
       </p:pic>
       <p:pic>
         <p:nvPicPr>
-          <p:cNvPr id="9" name="图片 8"/>
+          <p:cNvPr id="7" name="图片 6"/>
+          <p:cNvPicPr>
+            <a:picLocks noChangeAspect="1"/>
+          </p:cNvPicPr>
+          <p:nvPr/>
+        </p:nvPicPr>
+        <p:blipFill rotWithShape="1">
+          <a:blip r:embed="rId3"/>
+          <a:srcRect l="13807"/>
+          <a:stretch>
+            <a:fillRect/>
+          </a:stretch>
+        </p:blipFill>
+        <p:spPr>
+          <a:xfrm>
+            <a:off x="4996832" y="5391540"/>
+            <a:ext cx="4325964" cy="1334540"/>
+          </a:xfrm>
+          <a:prstGeom prst="rect">
+            <a:avLst/>
+          </a:prstGeom>
+        </p:spPr>
+      </p:pic>
+      <p:pic>
+        <p:nvPicPr>
+          <p:cNvPr id="10" name="图片 9"/>
+          <p:cNvPicPr>
+            <a:picLocks noChangeAspect="1"/>
+          </p:cNvPicPr>
+          <p:nvPr/>
+        </p:nvPicPr>
+        <p:blipFill rotWithShape="1">
+          <a:blip r:embed="rId3"/>
+          <a:srcRect l="11337" r="31759"/>
+          <a:stretch>
+            <a:fillRect/>
+          </a:stretch>
+        </p:blipFill>
+        <p:spPr>
+          <a:xfrm flipH="1">
+            <a:off x="9322796" y="5391540"/>
+            <a:ext cx="2855952" cy="1334540"/>
+          </a:xfrm>
+          <a:prstGeom prst="rect">
+            <a:avLst/>
+          </a:prstGeom>
+        </p:spPr>
+      </p:pic>
+      <p:pic>
+        <p:nvPicPr>
+          <p:cNvPr id="5" name="图片 4"/>
           <p:cNvPicPr>
             <a:picLocks noChangeAspect="1"/>
           </p:cNvPicPr>
@@ -4631,67 +4722,54 @@
         </p:blipFill>
         <p:spPr>
           <a:xfrm>
-            <a:off x="-22104" y="5391540"/>
-            <a:ext cx="5018936" cy="1334540"/>
+            <a:off x="9515388" y="485139"/>
+            <a:ext cx="2358781" cy="579748"/>
           </a:xfrm>
           <a:prstGeom prst="rect">
             <a:avLst/>
           </a:prstGeom>
         </p:spPr>
       </p:pic>
+      <p:sp>
+        <p:nvSpPr>
+          <p:cNvPr id="12" name="文本框 11"/>
+          <p:cNvSpPr txBox="1"/>
+          <p:nvPr/>
+        </p:nvSpPr>
+        <p:spPr>
+          <a:xfrm>
+            <a:off x="7404100" y="2946400"/>
+            <a:ext cx="1451038" cy="646331"/>
+          </a:xfrm>
+          <a:prstGeom prst="rect">
+            <a:avLst/>
+          </a:prstGeom>
+          <a:noFill/>
+        </p:spPr>
+        <p:txBody>
+          <a:bodyPr wrap="none" rtlCol="0">
+            <a:spAutoFit/>
+          </a:bodyPr>
+          <a:lstStyle/>
+          <a:p>
+            <a:r>
+              <a:rPr lang="en-US" altLang="zh-CN" dirty="0"/>
+              <a:t>Non-IID=0.5</a:t>
+            </a:r>
+            <a:endParaRPr lang="en-US" altLang="zh-CN" dirty="0"/>
+          </a:p>
+          <a:p>
+            <a:r>
+              <a:rPr lang="en-US" altLang="zh-CN" dirty="0"/>
+              <a:t>Rate=0.5</a:t>
+            </a:r>
+            <a:endParaRPr lang="zh-CN" altLang="en-US" dirty="0"/>
+          </a:p>
+        </p:txBody>
+      </p:sp>
       <p:pic>
         <p:nvPicPr>
-          <p:cNvPr id="7" name="图片 6"/>
-          <p:cNvPicPr>
-            <a:picLocks noChangeAspect="1"/>
-          </p:cNvPicPr>
-          <p:nvPr/>
-        </p:nvPicPr>
-        <p:blipFill rotWithShape="1">
-          <a:blip r:embed="rId4"/>
-          <a:srcRect l="13807"/>
-          <a:stretch>
-            <a:fillRect/>
-          </a:stretch>
-        </p:blipFill>
-        <p:spPr>
-          <a:xfrm>
-            <a:off x="4996832" y="5391540"/>
-            <a:ext cx="4325964" cy="1334540"/>
-          </a:xfrm>
-          <a:prstGeom prst="rect">
-            <a:avLst/>
-          </a:prstGeom>
-        </p:spPr>
-      </p:pic>
-      <p:pic>
-        <p:nvPicPr>
-          <p:cNvPr id="10" name="图片 9"/>
-          <p:cNvPicPr>
-            <a:picLocks noChangeAspect="1"/>
-          </p:cNvPicPr>
-          <p:nvPr/>
-        </p:nvPicPr>
-        <p:blipFill rotWithShape="1">
-          <a:blip r:embed="rId4"/>
-          <a:srcRect l="11337" r="31759"/>
-          <a:stretch>
-            <a:fillRect/>
-          </a:stretch>
-        </p:blipFill>
-        <p:spPr>
-          <a:xfrm flipH="1">
-            <a:off x="9322796" y="5391540"/>
-            <a:ext cx="2855952" cy="1334540"/>
-          </a:xfrm>
-          <a:prstGeom prst="rect">
-            <a:avLst/>
-          </a:prstGeom>
-        </p:spPr>
-      </p:pic>
-      <p:pic>
-        <p:nvPicPr>
-          <p:cNvPr id="5" name="图片 4"/>
+          <p:cNvPr id="11" name="图片 10"/>
           <p:cNvPicPr>
             <a:picLocks noChangeAspect="1"/>
           </p:cNvPicPr>
@@ -4705,78 +4783,6 @@
         </p:blipFill>
         <p:spPr>
           <a:xfrm>
-            <a:off x="9515388" y="485139"/>
-            <a:ext cx="2358781" cy="579748"/>
-          </a:xfrm>
-          <a:prstGeom prst="rect">
-            <a:avLst/>
-          </a:prstGeom>
-        </p:spPr>
-      </p:pic>
-      <p:sp>
-        <p:nvSpPr>
-          <p:cNvPr id="12" name="文本框 11">
-            <a:extLst>
-              <a:ext uri="{FF2B5EF4-FFF2-40B4-BE49-F238E27FC236}">
-                <a16:creationId xmlns:a16="http://schemas.microsoft.com/office/drawing/2014/main" id="{8B0D3686-37CA-B8DA-E734-248786DE30B5}"/>
-              </a:ext>
-            </a:extLst>
-          </p:cNvPr>
-          <p:cNvSpPr txBox="1"/>
-          <p:nvPr/>
-        </p:nvSpPr>
-        <p:spPr>
-          <a:xfrm>
-            <a:off x="7404100" y="2946400"/>
-            <a:ext cx="1451038" cy="646331"/>
-          </a:xfrm>
-          <a:prstGeom prst="rect">
-            <a:avLst/>
-          </a:prstGeom>
-          <a:noFill/>
-        </p:spPr>
-        <p:txBody>
-          <a:bodyPr wrap="none" rtlCol="0">
-            <a:spAutoFit/>
-          </a:bodyPr>
-          <a:lstStyle/>
-          <a:p>
-            <a:r>
-              <a:rPr lang="en-US" altLang="zh-CN" dirty="0"/>
-              <a:t>Non-IID=0.5</a:t>
-            </a:r>
-          </a:p>
-          <a:p>
-            <a:r>
-              <a:rPr lang="en-US" altLang="zh-CN" dirty="0"/>
-              <a:t>Rate=0.5</a:t>
-            </a:r>
-            <a:endParaRPr lang="zh-CN" altLang="en-US" dirty="0"/>
-          </a:p>
-        </p:txBody>
-      </p:sp>
-      <p:pic>
-        <p:nvPicPr>
-          <p:cNvPr id="11" name="图片 10">
-            <a:extLst>
-              <a:ext uri="{FF2B5EF4-FFF2-40B4-BE49-F238E27FC236}">
-                <a16:creationId xmlns:a16="http://schemas.microsoft.com/office/drawing/2014/main" id="{88EC4683-1C77-A155-227B-BB347AD2FE33}"/>
-              </a:ext>
-            </a:extLst>
-          </p:cNvPr>
-          <p:cNvPicPr>
-            <a:picLocks noChangeAspect="1"/>
-          </p:cNvPicPr>
-          <p:nvPr/>
-        </p:nvPicPr>
-        <p:blipFill>
-          <a:blip r:embed="rId6"/>
-          <a:stretch>
-            <a:fillRect/>
-          </a:stretch>
-        </p:blipFill>
-        <p:spPr>
-          <a:xfrm>
             <a:off x="1041400" y="1548830"/>
             <a:ext cx="4311277" cy="3592731"/>
           </a:xfrm>
@@ -4786,22 +4792,17 @@
         </p:spPr>
       </p:pic>
     </p:spTree>
-    <p:extLst>
-      <p:ext uri="{BB962C8B-B14F-4D97-AF65-F5344CB8AC3E}">
-        <p14:creationId xmlns:p14="http://schemas.microsoft.com/office/powerpoint/2010/main" val="4276240043"/>
-      </p:ext>
-    </p:extLst>
   </p:cSld>
   <p:clrMapOvr>
     <a:masterClrMapping/>
   </p:clrMapOvr>
-  <mc:AlternateContent xmlns:mc="http://schemas.openxmlformats.org/markup-compatibility/2006" xmlns:p14="http://schemas.microsoft.com/office/powerpoint/2010/main">
-    <mc:Choice Requires="p14">
+  <mc:AlternateContent xmlns:mc="http://schemas.openxmlformats.org/markup-compatibility/2006">
+    <mc:Choice xmlns:p14="http://schemas.microsoft.com/office/powerpoint/2010/main" Requires="p14">
       <p:transition spd="med" p14:dur="700">
         <p:fade/>
       </p:transition>
     </mc:Choice>
-    <mc:Fallback xmlns="">
+    <mc:Fallback>
       <p:transition spd="med">
         <p:fade/>
       </p:transition>
@@ -4887,6 +4888,30 @@
           <p:nvPr/>
         </p:nvPicPr>
         <p:blipFill>
+          <a:blip r:embed="rId1"/>
+          <a:stretch>
+            <a:fillRect/>
+          </a:stretch>
+        </p:blipFill>
+        <p:spPr>
+          <a:xfrm>
+            <a:off x="13252" y="4907605"/>
+            <a:ext cx="12192000" cy="1980925"/>
+          </a:xfrm>
+          <a:prstGeom prst="rect">
+            <a:avLst/>
+          </a:prstGeom>
+        </p:spPr>
+      </p:pic>
+      <p:pic>
+        <p:nvPicPr>
+          <p:cNvPr id="8" name="图片 7"/>
+          <p:cNvPicPr>
+            <a:picLocks noChangeAspect="1"/>
+          </p:cNvPicPr>
+          <p:nvPr/>
+        </p:nvPicPr>
+        <p:blipFill>
           <a:blip r:embed="rId2"/>
           <a:stretch>
             <a:fillRect/>
@@ -4894,8 +4919,8 @@
         </p:blipFill>
         <p:spPr>
           <a:xfrm>
-            <a:off x="13252" y="4907605"/>
-            <a:ext cx="12192000" cy="1980925"/>
+            <a:off x="439676" y="307638"/>
+            <a:ext cx="265554" cy="934751"/>
           </a:xfrm>
           <a:prstGeom prst="rect">
             <a:avLst/>
@@ -4904,7 +4929,7 @@
       </p:pic>
       <p:pic>
         <p:nvPicPr>
-          <p:cNvPr id="8" name="图片 7"/>
+          <p:cNvPr id="9" name="图片 8"/>
           <p:cNvPicPr>
             <a:picLocks noChangeAspect="1"/>
           </p:cNvPicPr>
@@ -4918,8 +4943,8 @@
         </p:blipFill>
         <p:spPr>
           <a:xfrm>
-            <a:off x="439676" y="307638"/>
-            <a:ext cx="265554" cy="934751"/>
+            <a:off x="-22104" y="5391540"/>
+            <a:ext cx="5018936" cy="1334540"/>
           </a:xfrm>
           <a:prstGeom prst="rect">
             <a:avLst/>
@@ -4928,7 +4953,57 @@
       </p:pic>
       <p:pic>
         <p:nvPicPr>
-          <p:cNvPr id="9" name="图片 8"/>
+          <p:cNvPr id="7" name="图片 6"/>
+          <p:cNvPicPr>
+            <a:picLocks noChangeAspect="1"/>
+          </p:cNvPicPr>
+          <p:nvPr/>
+        </p:nvPicPr>
+        <p:blipFill rotWithShape="1">
+          <a:blip r:embed="rId3"/>
+          <a:srcRect l="13807"/>
+          <a:stretch>
+            <a:fillRect/>
+          </a:stretch>
+        </p:blipFill>
+        <p:spPr>
+          <a:xfrm>
+            <a:off x="4996832" y="5391540"/>
+            <a:ext cx="4325964" cy="1334540"/>
+          </a:xfrm>
+          <a:prstGeom prst="rect">
+            <a:avLst/>
+          </a:prstGeom>
+        </p:spPr>
+      </p:pic>
+      <p:pic>
+        <p:nvPicPr>
+          <p:cNvPr id="10" name="图片 9"/>
+          <p:cNvPicPr>
+            <a:picLocks noChangeAspect="1"/>
+          </p:cNvPicPr>
+          <p:nvPr/>
+        </p:nvPicPr>
+        <p:blipFill rotWithShape="1">
+          <a:blip r:embed="rId3"/>
+          <a:srcRect l="11337" r="31759"/>
+          <a:stretch>
+            <a:fillRect/>
+          </a:stretch>
+        </p:blipFill>
+        <p:spPr>
+          <a:xfrm flipH="1">
+            <a:off x="9322796" y="5391540"/>
+            <a:ext cx="2855952" cy="1334540"/>
+          </a:xfrm>
+          <a:prstGeom prst="rect">
+            <a:avLst/>
+          </a:prstGeom>
+        </p:spPr>
+      </p:pic>
+      <p:pic>
+        <p:nvPicPr>
+          <p:cNvPr id="5" name="图片 4"/>
           <p:cNvPicPr>
             <a:picLocks noChangeAspect="1"/>
           </p:cNvPicPr>
@@ -4942,67 +5017,54 @@
         </p:blipFill>
         <p:spPr>
           <a:xfrm>
-            <a:off x="-22104" y="5391540"/>
-            <a:ext cx="5018936" cy="1334540"/>
+            <a:off x="9515388" y="485139"/>
+            <a:ext cx="2358781" cy="579748"/>
           </a:xfrm>
           <a:prstGeom prst="rect">
             <a:avLst/>
           </a:prstGeom>
         </p:spPr>
       </p:pic>
+      <p:sp>
+        <p:nvSpPr>
+          <p:cNvPr id="12" name="文本框 11"/>
+          <p:cNvSpPr txBox="1"/>
+          <p:nvPr/>
+        </p:nvSpPr>
+        <p:spPr>
+          <a:xfrm>
+            <a:off x="7404100" y="2946400"/>
+            <a:ext cx="1451038" cy="646331"/>
+          </a:xfrm>
+          <a:prstGeom prst="rect">
+            <a:avLst/>
+          </a:prstGeom>
+          <a:noFill/>
+        </p:spPr>
+        <p:txBody>
+          <a:bodyPr wrap="none" rtlCol="0">
+            <a:spAutoFit/>
+          </a:bodyPr>
+          <a:lstStyle/>
+          <a:p>
+            <a:r>
+              <a:rPr lang="en-US" altLang="zh-CN" dirty="0"/>
+              <a:t>Non-IID=0.9</a:t>
+            </a:r>
+            <a:endParaRPr lang="en-US" altLang="zh-CN" dirty="0"/>
+          </a:p>
+          <a:p>
+            <a:r>
+              <a:rPr lang="en-US" altLang="zh-CN" dirty="0"/>
+              <a:t>Rate=0.5</a:t>
+            </a:r>
+            <a:endParaRPr lang="zh-CN" altLang="en-US" dirty="0"/>
+          </a:p>
+        </p:txBody>
+      </p:sp>
       <p:pic>
         <p:nvPicPr>
-          <p:cNvPr id="7" name="图片 6"/>
-          <p:cNvPicPr>
-            <a:picLocks noChangeAspect="1"/>
-          </p:cNvPicPr>
-          <p:nvPr/>
-        </p:nvPicPr>
-        <p:blipFill rotWithShape="1">
-          <a:blip r:embed="rId4"/>
-          <a:srcRect l="13807"/>
-          <a:stretch>
-            <a:fillRect/>
-          </a:stretch>
-        </p:blipFill>
-        <p:spPr>
-          <a:xfrm>
-            <a:off x="4996832" y="5391540"/>
-            <a:ext cx="4325964" cy="1334540"/>
-          </a:xfrm>
-          <a:prstGeom prst="rect">
-            <a:avLst/>
-          </a:prstGeom>
-        </p:spPr>
-      </p:pic>
-      <p:pic>
-        <p:nvPicPr>
-          <p:cNvPr id="10" name="图片 9"/>
-          <p:cNvPicPr>
-            <a:picLocks noChangeAspect="1"/>
-          </p:cNvPicPr>
-          <p:nvPr/>
-        </p:nvPicPr>
-        <p:blipFill rotWithShape="1">
-          <a:blip r:embed="rId4"/>
-          <a:srcRect l="11337" r="31759"/>
-          <a:stretch>
-            <a:fillRect/>
-          </a:stretch>
-        </p:blipFill>
-        <p:spPr>
-          <a:xfrm flipH="1">
-            <a:off x="9322796" y="5391540"/>
-            <a:ext cx="2855952" cy="1334540"/>
-          </a:xfrm>
-          <a:prstGeom prst="rect">
-            <a:avLst/>
-          </a:prstGeom>
-        </p:spPr>
-      </p:pic>
-      <p:pic>
-        <p:nvPicPr>
-          <p:cNvPr id="5" name="图片 4"/>
+          <p:cNvPr id="16" name="图片 15"/>
           <p:cNvPicPr>
             <a:picLocks noChangeAspect="1"/>
           </p:cNvPicPr>
@@ -5016,78 +5078,6 @@
         </p:blipFill>
         <p:spPr>
           <a:xfrm>
-            <a:off x="9515388" y="485139"/>
-            <a:ext cx="2358781" cy="579748"/>
-          </a:xfrm>
-          <a:prstGeom prst="rect">
-            <a:avLst/>
-          </a:prstGeom>
-        </p:spPr>
-      </p:pic>
-      <p:sp>
-        <p:nvSpPr>
-          <p:cNvPr id="12" name="文本框 11">
-            <a:extLst>
-              <a:ext uri="{FF2B5EF4-FFF2-40B4-BE49-F238E27FC236}">
-                <a16:creationId xmlns:a16="http://schemas.microsoft.com/office/drawing/2014/main" id="{8B0D3686-37CA-B8DA-E734-248786DE30B5}"/>
-              </a:ext>
-            </a:extLst>
-          </p:cNvPr>
-          <p:cNvSpPr txBox="1"/>
-          <p:nvPr/>
-        </p:nvSpPr>
-        <p:spPr>
-          <a:xfrm>
-            <a:off x="7404100" y="2946400"/>
-            <a:ext cx="1451038" cy="646331"/>
-          </a:xfrm>
-          <a:prstGeom prst="rect">
-            <a:avLst/>
-          </a:prstGeom>
-          <a:noFill/>
-        </p:spPr>
-        <p:txBody>
-          <a:bodyPr wrap="none" rtlCol="0">
-            <a:spAutoFit/>
-          </a:bodyPr>
-          <a:lstStyle/>
-          <a:p>
-            <a:r>
-              <a:rPr lang="en-US" altLang="zh-CN" dirty="0"/>
-              <a:t>Non-IID=0.9</a:t>
-            </a:r>
-          </a:p>
-          <a:p>
-            <a:r>
-              <a:rPr lang="en-US" altLang="zh-CN" dirty="0"/>
-              <a:t>Rate=0.5</a:t>
-            </a:r>
-            <a:endParaRPr lang="zh-CN" altLang="en-US" dirty="0"/>
-          </a:p>
-        </p:txBody>
-      </p:sp>
-      <p:pic>
-        <p:nvPicPr>
-          <p:cNvPr id="16" name="图片 15">
-            <a:extLst>
-              <a:ext uri="{FF2B5EF4-FFF2-40B4-BE49-F238E27FC236}">
-                <a16:creationId xmlns:a16="http://schemas.microsoft.com/office/drawing/2014/main" id="{C7E3E816-7C52-5268-EA31-61792D9CAF12}"/>
-              </a:ext>
-            </a:extLst>
-          </p:cNvPr>
-          <p:cNvPicPr>
-            <a:picLocks noChangeAspect="1"/>
-          </p:cNvPicPr>
-          <p:nvPr/>
-        </p:nvPicPr>
-        <p:blipFill>
-          <a:blip r:embed="rId6"/>
-          <a:stretch>
-            <a:fillRect/>
-          </a:stretch>
-        </p:blipFill>
-        <p:spPr>
-          <a:xfrm>
             <a:off x="1047750" y="1526490"/>
             <a:ext cx="4325964" cy="3604970"/>
           </a:xfrm>
@@ -5097,22 +5087,17 @@
         </p:spPr>
       </p:pic>
     </p:spTree>
-    <p:extLst>
-      <p:ext uri="{BB962C8B-B14F-4D97-AF65-F5344CB8AC3E}">
-        <p14:creationId xmlns:p14="http://schemas.microsoft.com/office/powerpoint/2010/main" val="2973152056"/>
-      </p:ext>
-    </p:extLst>
   </p:cSld>
   <p:clrMapOvr>
     <a:masterClrMapping/>
   </p:clrMapOvr>
-  <mc:AlternateContent xmlns:mc="http://schemas.openxmlformats.org/markup-compatibility/2006" xmlns:p14="http://schemas.microsoft.com/office/powerpoint/2010/main">
-    <mc:Choice Requires="p14">
+  <mc:AlternateContent xmlns:mc="http://schemas.openxmlformats.org/markup-compatibility/2006">
+    <mc:Choice xmlns:p14="http://schemas.microsoft.com/office/powerpoint/2010/main" Requires="p14">
       <p:transition spd="med" p14:dur="700">
         <p:fade/>
       </p:transition>
     </mc:Choice>
-    <mc:Fallback xmlns="">
+    <mc:Fallback>
       <p:transition spd="med">
         <p:fade/>
       </p:transition>
@@ -5173,12 +5158,41 @@
               </a:rPr>
               <a:t>Network structure </a:t>
             </a:r>
+            <a:endParaRPr lang="en-US" sz="3200" b="1" dirty="0">
+              <a:latin typeface="微软雅黑" panose="020B0503020204020204" pitchFamily="34" charset="-122"/>
+              <a:ea typeface="微软雅黑" panose="020B0503020204020204" pitchFamily="34" charset="-122"/>
+              <a:sym typeface="+mn-ea"/>
+            </a:endParaRPr>
           </a:p>
         </p:txBody>
       </p:sp>
       <p:pic>
         <p:nvPicPr>
           <p:cNvPr id="3" name="图片 2"/>
+          <p:cNvPicPr>
+            <a:picLocks noChangeAspect="1"/>
+          </p:cNvPicPr>
+          <p:nvPr/>
+        </p:nvPicPr>
+        <p:blipFill>
+          <a:blip r:embed="rId1"/>
+          <a:stretch>
+            <a:fillRect/>
+          </a:stretch>
+        </p:blipFill>
+        <p:spPr>
+          <a:xfrm>
+            <a:off x="13252" y="4907605"/>
+            <a:ext cx="12192000" cy="1980925"/>
+          </a:xfrm>
+          <a:prstGeom prst="rect">
+            <a:avLst/>
+          </a:prstGeom>
+        </p:spPr>
+      </p:pic>
+      <p:pic>
+        <p:nvPicPr>
+          <p:cNvPr id="8" name="图片 7"/>
           <p:cNvPicPr>
             <a:picLocks noChangeAspect="1"/>
           </p:cNvPicPr>
@@ -5192,8 +5206,8 @@
         </p:blipFill>
         <p:spPr>
           <a:xfrm>
-            <a:off x="13252" y="4907605"/>
-            <a:ext cx="12192000" cy="1980925"/>
+            <a:off x="439676" y="307638"/>
+            <a:ext cx="265554" cy="934751"/>
           </a:xfrm>
           <a:prstGeom prst="rect">
             <a:avLst/>
@@ -5202,7 +5216,7 @@
       </p:pic>
       <p:pic>
         <p:nvPicPr>
-          <p:cNvPr id="8" name="图片 7"/>
+          <p:cNvPr id="9" name="图片 8"/>
           <p:cNvPicPr>
             <a:picLocks noChangeAspect="1"/>
           </p:cNvPicPr>
@@ -5216,8 +5230,8 @@
         </p:blipFill>
         <p:spPr>
           <a:xfrm>
-            <a:off x="439676" y="307638"/>
-            <a:ext cx="265554" cy="934751"/>
+            <a:off x="-22104" y="5391540"/>
+            <a:ext cx="5018936" cy="1334540"/>
           </a:xfrm>
           <a:prstGeom prst="rect">
             <a:avLst/>
@@ -5226,7 +5240,57 @@
       </p:pic>
       <p:pic>
         <p:nvPicPr>
-          <p:cNvPr id="9" name="图片 8"/>
+          <p:cNvPr id="7" name="图片 6"/>
+          <p:cNvPicPr>
+            <a:picLocks noChangeAspect="1"/>
+          </p:cNvPicPr>
+          <p:nvPr/>
+        </p:nvPicPr>
+        <p:blipFill rotWithShape="1">
+          <a:blip r:embed="rId3"/>
+          <a:srcRect l="13807"/>
+          <a:stretch>
+            <a:fillRect/>
+          </a:stretch>
+        </p:blipFill>
+        <p:spPr>
+          <a:xfrm>
+            <a:off x="4996832" y="5391540"/>
+            <a:ext cx="4325964" cy="1334540"/>
+          </a:xfrm>
+          <a:prstGeom prst="rect">
+            <a:avLst/>
+          </a:prstGeom>
+        </p:spPr>
+      </p:pic>
+      <p:pic>
+        <p:nvPicPr>
+          <p:cNvPr id="10" name="图片 9"/>
+          <p:cNvPicPr>
+            <a:picLocks noChangeAspect="1"/>
+          </p:cNvPicPr>
+          <p:nvPr/>
+        </p:nvPicPr>
+        <p:blipFill rotWithShape="1">
+          <a:blip r:embed="rId3"/>
+          <a:srcRect l="11337" r="31759"/>
+          <a:stretch>
+            <a:fillRect/>
+          </a:stretch>
+        </p:blipFill>
+        <p:spPr>
+          <a:xfrm flipH="1">
+            <a:off x="9322796" y="5391540"/>
+            <a:ext cx="2855952" cy="1334540"/>
+          </a:xfrm>
+          <a:prstGeom prst="rect">
+            <a:avLst/>
+          </a:prstGeom>
+        </p:spPr>
+      </p:pic>
+      <p:pic>
+        <p:nvPicPr>
+          <p:cNvPr id="5" name="图片 4"/>
           <p:cNvPicPr>
             <a:picLocks noChangeAspect="1"/>
           </p:cNvPicPr>
@@ -5240,8 +5304,8 @@
         </p:blipFill>
         <p:spPr>
           <a:xfrm>
-            <a:off x="-22104" y="5391540"/>
-            <a:ext cx="5018936" cy="1334540"/>
+            <a:off x="9515388" y="485139"/>
+            <a:ext cx="2358781" cy="579748"/>
           </a:xfrm>
           <a:prstGeom prst="rect">
             <a:avLst/>
@@ -5250,72 +5314,28 @@
       </p:pic>
       <p:pic>
         <p:nvPicPr>
-          <p:cNvPr id="7" name="图片 6"/>
-          <p:cNvPicPr>
-            <a:picLocks noChangeAspect="1"/>
-          </p:cNvPicPr>
-          <p:nvPr/>
-        </p:nvPicPr>
-        <p:blipFill rotWithShape="1">
-          <a:blip r:embed="rId4"/>
-          <a:srcRect l="13807"/>
-          <a:stretch>
-            <a:fillRect/>
-          </a:stretch>
-        </p:blipFill>
-        <p:spPr>
-          <a:xfrm>
-            <a:off x="4996832" y="5391540"/>
-            <a:ext cx="4325964" cy="1334540"/>
-          </a:xfrm>
-          <a:prstGeom prst="rect">
-            <a:avLst/>
-          </a:prstGeom>
-        </p:spPr>
-      </p:pic>
-      <p:pic>
-        <p:nvPicPr>
-          <p:cNvPr id="10" name="图片 9"/>
-          <p:cNvPicPr>
-            <a:picLocks noChangeAspect="1"/>
-          </p:cNvPicPr>
-          <p:nvPr/>
-        </p:nvPicPr>
-        <p:blipFill rotWithShape="1">
-          <a:blip r:embed="rId4"/>
-          <a:srcRect l="11337" r="31759"/>
-          <a:stretch>
-            <a:fillRect/>
-          </a:stretch>
-        </p:blipFill>
-        <p:spPr>
-          <a:xfrm flipH="1">
-            <a:off x="9322796" y="5391540"/>
-            <a:ext cx="2855952" cy="1334540"/>
-          </a:xfrm>
-          <a:prstGeom prst="rect">
-            <a:avLst/>
-          </a:prstGeom>
-        </p:spPr>
-      </p:pic>
-      <p:pic>
-        <p:nvPicPr>
-          <p:cNvPr id="5" name="图片 4"/>
+          <p:cNvPr id="14" name="图片 13"/>
           <p:cNvPicPr>
             <a:picLocks noChangeAspect="1"/>
           </p:cNvPicPr>
           <p:nvPr/>
         </p:nvPicPr>
         <p:blipFill>
-          <a:blip r:embed="rId5"/>
+          <a:blip r:embed="rId5">
+            <a:extLst>
+              <a:ext uri="{28A0092B-C50C-407E-A947-70E740481C1C}">
+                <a14:useLocalDpi xmlns:a14="http://schemas.microsoft.com/office/drawing/2010/main" val="0"/>
+              </a:ext>
+            </a:extLst>
+          </a:blip>
           <a:stretch>
             <a:fillRect/>
           </a:stretch>
         </p:blipFill>
         <p:spPr>
           <a:xfrm>
-            <a:off x="9515388" y="485139"/>
-            <a:ext cx="2358781" cy="579748"/>
+            <a:off x="95631" y="1976359"/>
+            <a:ext cx="5701920" cy="2478762"/>
           </a:xfrm>
           <a:prstGeom prst="rect">
             <a:avLst/>
@@ -5324,13 +5344,7 @@
       </p:pic>
       <p:pic>
         <p:nvPicPr>
-          <p:cNvPr id="14" name="图片 13">
-            <a:extLst>
-              <a:ext uri="{FF2B5EF4-FFF2-40B4-BE49-F238E27FC236}">
-                <a16:creationId xmlns:a16="http://schemas.microsoft.com/office/drawing/2014/main" id="{2F4D9B64-318C-CC92-988F-D3627E0BC8AD}"/>
-              </a:ext>
-            </a:extLst>
-          </p:cNvPr>
+          <p:cNvPr id="16" name="图片 15"/>
           <p:cNvPicPr>
             <a:picLocks noChangeAspect="1"/>
           </p:cNvPicPr>
@@ -5350,42 +5364,6 @@
         </p:blipFill>
         <p:spPr>
           <a:xfrm>
-            <a:off x="95631" y="1976359"/>
-            <a:ext cx="5701920" cy="2478762"/>
-          </a:xfrm>
-          <a:prstGeom prst="rect">
-            <a:avLst/>
-          </a:prstGeom>
-        </p:spPr>
-      </p:pic>
-      <p:pic>
-        <p:nvPicPr>
-          <p:cNvPr id="16" name="图片 15">
-            <a:extLst>
-              <a:ext uri="{FF2B5EF4-FFF2-40B4-BE49-F238E27FC236}">
-                <a16:creationId xmlns:a16="http://schemas.microsoft.com/office/drawing/2014/main" id="{C066E7C4-5869-0E93-147D-88AA52E87E2F}"/>
-              </a:ext>
-            </a:extLst>
-          </p:cNvPr>
-          <p:cNvPicPr>
-            <a:picLocks noChangeAspect="1"/>
-          </p:cNvPicPr>
-          <p:nvPr/>
-        </p:nvPicPr>
-        <p:blipFill>
-          <a:blip r:embed="rId7">
-            <a:extLst>
-              <a:ext uri="{28A0092B-C50C-407E-A947-70E740481C1C}">
-                <a14:useLocalDpi xmlns:a14="http://schemas.microsoft.com/office/drawing/2010/main" val="0"/>
-              </a:ext>
-            </a:extLst>
-          </a:blip>
-          <a:stretch>
-            <a:fillRect/>
-          </a:stretch>
-        </p:blipFill>
-        <p:spPr>
-          <a:xfrm>
             <a:off x="6345395" y="1999286"/>
             <a:ext cx="4422480" cy="2313013"/>
           </a:xfrm>
@@ -5395,22 +5373,17 @@
         </p:spPr>
       </p:pic>
     </p:spTree>
-    <p:extLst>
-      <p:ext uri="{BB962C8B-B14F-4D97-AF65-F5344CB8AC3E}">
-        <p14:creationId xmlns:p14="http://schemas.microsoft.com/office/powerpoint/2010/main" val="2513746306"/>
-      </p:ext>
-    </p:extLst>
   </p:cSld>
   <p:clrMapOvr>
     <a:masterClrMapping/>
   </p:clrMapOvr>
-  <mc:AlternateContent xmlns:mc="http://schemas.openxmlformats.org/markup-compatibility/2006" xmlns:p14="http://schemas.microsoft.com/office/powerpoint/2010/main">
-    <mc:Choice Requires="p14">
+  <mc:AlternateContent xmlns:mc="http://schemas.openxmlformats.org/markup-compatibility/2006">
+    <mc:Choice xmlns:p14="http://schemas.microsoft.com/office/powerpoint/2010/main" Requires="p14">
       <p:transition spd="med" p14:dur="700">
         <p:fade/>
       </p:transition>
     </mc:Choice>
-    <mc:Fallback xmlns="">
+    <mc:Fallback>
       <p:transition spd="med">
         <p:fade/>
       </p:transition>
@@ -5481,6 +5454,30 @@
           <p:nvPr/>
         </p:nvPicPr>
         <p:blipFill>
+          <a:blip r:embed="rId1"/>
+          <a:stretch>
+            <a:fillRect/>
+          </a:stretch>
+        </p:blipFill>
+        <p:spPr>
+          <a:xfrm>
+            <a:off x="-22104" y="4877075"/>
+            <a:ext cx="12192000" cy="1980925"/>
+          </a:xfrm>
+          <a:prstGeom prst="rect">
+            <a:avLst/>
+          </a:prstGeom>
+        </p:spPr>
+      </p:pic>
+      <p:pic>
+        <p:nvPicPr>
+          <p:cNvPr id="9" name="图片 8"/>
+          <p:cNvPicPr>
+            <a:picLocks noChangeAspect="1"/>
+          </p:cNvPicPr>
+          <p:nvPr/>
+        </p:nvPicPr>
+        <p:blipFill>
           <a:blip r:embed="rId2"/>
           <a:stretch>
             <a:fillRect/>
@@ -5488,8 +5485,8 @@
         </p:blipFill>
         <p:spPr>
           <a:xfrm>
-            <a:off x="-22104" y="4877075"/>
-            <a:ext cx="12192000" cy="1980925"/>
+            <a:off x="-22104" y="5391540"/>
+            <a:ext cx="5018936" cy="1334540"/>
           </a:xfrm>
           <a:prstGeom prst="rect">
             <a:avLst/>
@@ -5498,7 +5495,57 @@
       </p:pic>
       <p:pic>
         <p:nvPicPr>
-          <p:cNvPr id="9" name="图片 8"/>
+          <p:cNvPr id="7" name="图片 6"/>
+          <p:cNvPicPr>
+            <a:picLocks noChangeAspect="1"/>
+          </p:cNvPicPr>
+          <p:nvPr/>
+        </p:nvPicPr>
+        <p:blipFill rotWithShape="1">
+          <a:blip r:embed="rId2"/>
+          <a:srcRect l="13807"/>
+          <a:stretch>
+            <a:fillRect/>
+          </a:stretch>
+        </p:blipFill>
+        <p:spPr>
+          <a:xfrm>
+            <a:off x="4996832" y="5391540"/>
+            <a:ext cx="4325964" cy="1334540"/>
+          </a:xfrm>
+          <a:prstGeom prst="rect">
+            <a:avLst/>
+          </a:prstGeom>
+        </p:spPr>
+      </p:pic>
+      <p:pic>
+        <p:nvPicPr>
+          <p:cNvPr id="10" name="图片 9"/>
+          <p:cNvPicPr>
+            <a:picLocks noChangeAspect="1"/>
+          </p:cNvPicPr>
+          <p:nvPr/>
+        </p:nvPicPr>
+        <p:blipFill rotWithShape="1">
+          <a:blip r:embed="rId2"/>
+          <a:srcRect l="11337" r="31759"/>
+          <a:stretch>
+            <a:fillRect/>
+          </a:stretch>
+        </p:blipFill>
+        <p:spPr>
+          <a:xfrm flipH="1">
+            <a:off x="9322796" y="5391540"/>
+            <a:ext cx="2855952" cy="1334540"/>
+          </a:xfrm>
+          <a:prstGeom prst="rect">
+            <a:avLst/>
+          </a:prstGeom>
+        </p:spPr>
+      </p:pic>
+      <p:pic>
+        <p:nvPicPr>
+          <p:cNvPr id="5" name="图片 4"/>
           <p:cNvPicPr>
             <a:picLocks noChangeAspect="1"/>
           </p:cNvPicPr>
@@ -5512,80 +5559,6 @@
         </p:blipFill>
         <p:spPr>
           <a:xfrm>
-            <a:off x="-22104" y="5391540"/>
-            <a:ext cx="5018936" cy="1334540"/>
-          </a:xfrm>
-          <a:prstGeom prst="rect">
-            <a:avLst/>
-          </a:prstGeom>
-        </p:spPr>
-      </p:pic>
-      <p:pic>
-        <p:nvPicPr>
-          <p:cNvPr id="7" name="图片 6"/>
-          <p:cNvPicPr>
-            <a:picLocks noChangeAspect="1"/>
-          </p:cNvPicPr>
-          <p:nvPr/>
-        </p:nvPicPr>
-        <p:blipFill rotWithShape="1">
-          <a:blip r:embed="rId3"/>
-          <a:srcRect l="13807"/>
-          <a:stretch>
-            <a:fillRect/>
-          </a:stretch>
-        </p:blipFill>
-        <p:spPr>
-          <a:xfrm>
-            <a:off x="4996832" y="5391540"/>
-            <a:ext cx="4325964" cy="1334540"/>
-          </a:xfrm>
-          <a:prstGeom prst="rect">
-            <a:avLst/>
-          </a:prstGeom>
-        </p:spPr>
-      </p:pic>
-      <p:pic>
-        <p:nvPicPr>
-          <p:cNvPr id="10" name="图片 9"/>
-          <p:cNvPicPr>
-            <a:picLocks noChangeAspect="1"/>
-          </p:cNvPicPr>
-          <p:nvPr/>
-        </p:nvPicPr>
-        <p:blipFill rotWithShape="1">
-          <a:blip r:embed="rId3"/>
-          <a:srcRect l="11337" r="31759"/>
-          <a:stretch>
-            <a:fillRect/>
-          </a:stretch>
-        </p:blipFill>
-        <p:spPr>
-          <a:xfrm flipH="1">
-            <a:off x="9322796" y="5391540"/>
-            <a:ext cx="2855952" cy="1334540"/>
-          </a:xfrm>
-          <a:prstGeom prst="rect">
-            <a:avLst/>
-          </a:prstGeom>
-        </p:spPr>
-      </p:pic>
-      <p:pic>
-        <p:nvPicPr>
-          <p:cNvPr id="5" name="图片 4"/>
-          <p:cNvPicPr>
-            <a:picLocks noChangeAspect="1"/>
-          </p:cNvPicPr>
-          <p:nvPr/>
-        </p:nvPicPr>
-        <p:blipFill>
-          <a:blip r:embed="rId4"/>
-          <a:stretch>
-            <a:fillRect/>
-          </a:stretch>
-        </p:blipFill>
-        <p:spPr>
-          <a:xfrm>
             <a:off x="455208" y="401319"/>
             <a:ext cx="2358781" cy="579748"/>
           </a:xfrm>
@@ -5603,7 +5576,7 @@
           <p:nvPr/>
         </p:nvPicPr>
         <p:blipFill rotWithShape="1">
-          <a:blip r:embed="rId2"/>
+          <a:blip r:embed="rId1"/>
           <a:srcRect t="88348" r="72886"/>
           <a:stretch>
             <a:fillRect/>
@@ -5670,13 +5643,13 @@
   <p:clrMapOvr>
     <a:masterClrMapping/>
   </p:clrMapOvr>
-  <mc:AlternateContent xmlns:mc="http://schemas.openxmlformats.org/markup-compatibility/2006" xmlns:p14="http://schemas.microsoft.com/office/powerpoint/2010/main">
-    <mc:Choice Requires="p14">
+  <mc:AlternateContent xmlns:mc="http://schemas.openxmlformats.org/markup-compatibility/2006">
+    <mc:Choice xmlns:p14="http://schemas.microsoft.com/office/powerpoint/2010/main" Requires="p14">
       <p:transition spd="med" p14:dur="700">
         <p:fade/>
       </p:transition>
     </mc:Choice>
-    <mc:Fallback xmlns="">
+    <mc:Fallback>
       <p:transition spd="med">
         <p:fade/>
       </p:transition>
@@ -5936,8 +5909,6 @@
       </a:bgFillStyleLst>
     </a:fmtScheme>
   </a:themeElements>
-  <a:objectDefaults/>
-  <a:extraClrSchemeLst/>
   <a:extLst>
     <a:ext uri="{05A4C25C-085E-4340-85A3-A5531E510DB2}">
       <thm15:themeFamily xmlns:thm15="http://schemas.microsoft.com/office/thememl/2012/main" name="Office Theme" id="{62F939B6-93AF-4DB8-9C6B-D6C7DFDC589F}" vid="{4A3C46E8-61CC-4603-A589-7422A47A8E4A}"/>
@@ -6197,8 +6168,6 @@
       </a:bgFillStyleLst>
     </a:fmtScheme>
   </a:themeElements>
-  <a:objectDefaults/>
-  <a:extraClrSchemeLst/>
   <a:extLst>
     <a:ext uri="{05A4C25C-085E-4340-85A3-A5531E510DB2}">
       <thm15:themeFamily xmlns:thm15="http://schemas.microsoft.com/office/thememl/2012/main" name="Office Theme" id="{62F939B6-93AF-4DB8-9C6B-D6C7DFDC589F}" vid="{4A3C46E8-61CC-4603-A589-7422A47A8E4A}"/>
